--- a/Bai 2/Bài 2 - File trong Linux.pptx
+++ b/Bai 2/Bài 2 - File trong Linux.pptx
@@ -16,12 +16,12 @@
     <p:sldId id="259" r:id="rId4"/>
     <p:sldId id="271" r:id="rId5"/>
     <p:sldId id="272" r:id="rId6"/>
-    <p:sldId id="273" r:id="rId7"/>
-    <p:sldId id="274" r:id="rId8"/>
-    <p:sldId id="278" r:id="rId9"/>
-    <p:sldId id="279" r:id="rId10"/>
-    <p:sldId id="266" r:id="rId11"/>
-    <p:sldId id="267" r:id="rId12"/>
+    <p:sldId id="266" r:id="rId7"/>
+    <p:sldId id="267" r:id="rId8"/>
+    <p:sldId id="283" r:id="rId9"/>
+    <p:sldId id="284" r:id="rId10"/>
+    <p:sldId id="285" r:id="rId11"/>
+    <p:sldId id="286" r:id="rId12"/>
     <p:sldId id="280" r:id="rId13"/>
     <p:sldId id="281" r:id="rId14"/>
     <p:sldId id="282" r:id="rId15"/>
@@ -230,7 +230,7 @@
           <a:p>
             <a:fld id="{9DF6B2F8-E390-BD4F-9ACD-789C35D23CE3}" type="datetimeFigureOut">
               <a:rPr lang="en-US" smtClean="0"/>
-              <a:t>5/26/2019</a:t>
+              <a:t>7/5/2020</a:t>
             </a:fld>
             <a:endParaRPr lang="en-US"/>
           </a:p>
@@ -396,7 +396,7 @@
           <a:p>
             <a:fld id="{79FF8F81-D7B9-424E-B993-6D09B3871A4E}" type="datetimeFigureOut">
               <a:rPr lang="en-US" smtClean="0"/>
-              <a:t>5/26/2019</a:t>
+              <a:t>7/5/2020</a:t>
             </a:fld>
             <a:endParaRPr lang="en-US"/>
           </a:p>
@@ -1968,113 +1968,1193 @@
           <a:lstStyle/>
           <a:p>
             <a:r>
-              <a:rPr lang="vi-VN" dirty="0" smtClean="0"/>
-              <a:t>Vẽ bảng file table cho mọi người xem</a:t>
-            </a:r>
-            <a:endParaRPr lang="en-US" dirty="0" smtClean="0"/>
-          </a:p>
-          <a:p>
-            <a:r>
-              <a:rPr lang="en-US" dirty="0" smtClean="0"/>
-              <a:t>source code: </a:t>
-            </a:r>
-            <a:r>
-              <a:rPr lang="en-US" dirty="0" err="1" smtClean="0"/>
-              <a:t>task_struct</a:t>
-            </a:r>
-            <a:r>
-              <a:rPr lang="en-US" dirty="0" smtClean="0"/>
-              <a:t>-&gt;files-&gt;</a:t>
-            </a:r>
-            <a:r>
-              <a:rPr lang="en-US" dirty="0" err="1" smtClean="0"/>
-              <a:t>fdtable</a:t>
-            </a:r>
-            <a:endParaRPr lang="en-US" dirty="0" smtClean="0"/>
-          </a:p>
-          <a:p>
-            <a:r>
-              <a:rPr lang="en-US" dirty="0" err="1" smtClean="0"/>
-              <a:t>Bản</a:t>
-            </a:r>
-            <a:r>
-              <a:rPr lang="en-US" dirty="0" smtClean="0"/>
-              <a:t> </a:t>
-            </a:r>
-            <a:r>
-              <a:rPr lang="en-US" dirty="0" err="1" smtClean="0"/>
-              <a:t>chất</a:t>
-            </a:r>
-            <a:r>
-              <a:rPr lang="en-US" dirty="0" smtClean="0"/>
-              <a:t> của file fd</a:t>
-            </a:r>
-          </a:p>
-          <a:p>
-            <a:r>
-              <a:rPr lang="en-US" dirty="0" smtClean="0"/>
-              <a:t>	</a:t>
-            </a:r>
-            <a:r>
-              <a:rPr lang="vi-VN" dirty="0" smtClean="0"/>
-              <a:t>Là số nguyên dương</a:t>
-            </a:r>
-            <a:endParaRPr lang="en-US" dirty="0" smtClean="0"/>
-          </a:p>
-          <a:p>
-            <a:r>
-              <a:rPr lang="en-US" dirty="0" smtClean="0"/>
-              <a:t>	</a:t>
-            </a:r>
-            <a:r>
-              <a:rPr lang="vi-VN" dirty="0" smtClean="0"/>
-              <a:t>Là số nguyên dương đại diện cho index của file pointer trong bảng file table của process</a:t>
-            </a:r>
-            <a:endParaRPr lang="en-US" dirty="0" smtClean="0"/>
-          </a:p>
-          <a:p>
-            <a:r>
-              <a:rPr lang="en-US" dirty="0" smtClean="0"/>
-              <a:t>	</a:t>
-            </a:r>
-            <a:r>
-              <a:rPr lang="vi-VN" dirty="0" smtClean="0"/>
-              <a:t>STDIN, STDOUT và STDERR chính là 3 file fd được tạo ra khi process start. Chúng chiếm 3 vị trí đầu tiên trong bảng file table.</a:t>
-            </a:r>
-            <a:endParaRPr lang="en-US" dirty="0" smtClean="0"/>
-          </a:p>
-          <a:p>
-            <a:r>
-              <a:rPr lang="en-US" dirty="0" smtClean="0"/>
-              <a:t>	</a:t>
-            </a:r>
-            <a:r>
-              <a:rPr lang="en-US" dirty="0" err="1" smtClean="0"/>
-              <a:t>Toán</a:t>
-            </a:r>
-            <a:r>
-              <a:rPr lang="en-US" dirty="0" smtClean="0"/>
-              <a:t> </a:t>
-            </a:r>
-            <a:r>
-              <a:rPr lang="en-US" dirty="0" err="1" smtClean="0"/>
-              <a:t>tử</a:t>
-            </a:r>
-            <a:r>
-              <a:rPr lang="en-US" dirty="0" smtClean="0"/>
-              <a:t> "&gt;"?</a:t>
-            </a:r>
-          </a:p>
-          <a:p>
-            <a:r>
-              <a:rPr lang="en-US" dirty="0" smtClean="0"/>
-              <a:t>		</a:t>
-            </a:r>
-            <a:r>
-              <a:rPr lang="vi-VN" dirty="0" smtClean="0"/>
-              <a:t>Tác dụng thay đổi các file STDIN, STDOUT, STDERR của process khi nó được tạo ra</a:t>
-            </a:r>
-            <a:endParaRPr lang="en-US" dirty="0"/>
+              <a:rPr lang="en-US" dirty="0" smtClean="0">
+                <a:effectLst/>
+              </a:rPr>
+              <a:t>Ham open </a:t>
+            </a:r>
+            <a:r>
+              <a:rPr lang="en-US" dirty="0" err="1" smtClean="0">
+                <a:effectLst/>
+              </a:rPr>
+              <a:t>neu</a:t>
+            </a:r>
+            <a:r>
+              <a:rPr lang="en-US" baseline="0" dirty="0" smtClean="0">
+                <a:effectLst/>
+              </a:rPr>
+              <a:t> </a:t>
+            </a:r>
+            <a:r>
+              <a:rPr lang="en-US" baseline="0" dirty="0" err="1" smtClean="0">
+                <a:effectLst/>
+              </a:rPr>
+              <a:t>truyen</a:t>
+            </a:r>
+            <a:r>
+              <a:rPr lang="en-US" baseline="0" dirty="0" smtClean="0">
+                <a:effectLst/>
+              </a:rPr>
+              <a:t> option “w” </a:t>
+            </a:r>
+            <a:r>
+              <a:rPr lang="en-US" baseline="0" dirty="0" err="1" smtClean="0">
+                <a:effectLst/>
+              </a:rPr>
+              <a:t>hoac</a:t>
+            </a:r>
+            <a:r>
+              <a:rPr lang="en-US" baseline="0" dirty="0" smtClean="0">
+                <a:effectLst/>
+              </a:rPr>
+              <a:t> “a” se </a:t>
+            </a:r>
+            <a:r>
+              <a:rPr lang="en-US" baseline="0" dirty="0" err="1" smtClean="0">
+                <a:effectLst/>
+              </a:rPr>
+              <a:t>tao</a:t>
+            </a:r>
+            <a:r>
+              <a:rPr lang="en-US" baseline="0" dirty="0" smtClean="0">
+                <a:effectLst/>
+              </a:rPr>
+              <a:t> file </a:t>
+            </a:r>
+            <a:r>
+              <a:rPr lang="en-US" baseline="0" dirty="0" err="1" smtClean="0">
+                <a:effectLst/>
+              </a:rPr>
+              <a:t>moi</a:t>
+            </a:r>
+            <a:r>
+              <a:rPr lang="en-US" baseline="0" dirty="0" smtClean="0">
+                <a:effectLst/>
+              </a:rPr>
+              <a:t> </a:t>
+            </a:r>
+            <a:r>
+              <a:rPr lang="en-US" baseline="0" dirty="0" err="1" smtClean="0">
+                <a:effectLst/>
+              </a:rPr>
+              <a:t>neu</a:t>
+            </a:r>
+            <a:r>
+              <a:rPr lang="en-US" baseline="0" dirty="0" smtClean="0">
+                <a:effectLst/>
+              </a:rPr>
+              <a:t> file </a:t>
+            </a:r>
+            <a:r>
+              <a:rPr lang="en-US" baseline="0" dirty="0" err="1" smtClean="0">
+                <a:effectLst/>
+              </a:rPr>
+              <a:t>ko</a:t>
+            </a:r>
+            <a:r>
+              <a:rPr lang="en-US" baseline="0" dirty="0" smtClean="0">
+                <a:effectLst/>
+              </a:rPr>
+              <a:t> ton tai</a:t>
+            </a:r>
+          </a:p>
+          <a:p>
+            <a:r>
+              <a:rPr lang="en-US" baseline="0" dirty="0" err="1" smtClean="0">
+                <a:effectLst/>
+              </a:rPr>
+              <a:t>Nen</a:t>
+            </a:r>
+            <a:r>
+              <a:rPr lang="en-US" baseline="0" dirty="0" smtClean="0">
+                <a:effectLst/>
+              </a:rPr>
+              <a:t> check file fd &gt; 0 </a:t>
+            </a:r>
+            <a:r>
+              <a:rPr lang="en-US" baseline="0" dirty="0" err="1" smtClean="0">
+                <a:effectLst/>
+              </a:rPr>
+              <a:t>truoc</a:t>
+            </a:r>
+            <a:r>
+              <a:rPr lang="en-US" baseline="0" dirty="0" smtClean="0">
+                <a:effectLst/>
+              </a:rPr>
+              <a:t> </a:t>
+            </a:r>
+            <a:r>
+              <a:rPr lang="en-US" baseline="0" dirty="0" err="1" smtClean="0">
+                <a:effectLst/>
+              </a:rPr>
+              <a:t>khi</a:t>
+            </a:r>
+            <a:r>
+              <a:rPr lang="en-US" baseline="0" dirty="0" smtClean="0">
+                <a:effectLst/>
+              </a:rPr>
+              <a:t> </a:t>
+            </a:r>
+            <a:r>
+              <a:rPr lang="en-US" baseline="0" dirty="0" err="1" smtClean="0">
+                <a:effectLst/>
+              </a:rPr>
+              <a:t>ghi</a:t>
+            </a:r>
+            <a:endParaRPr lang="en-US" baseline="0" dirty="0" smtClean="0">
+              <a:effectLst/>
+            </a:endParaRPr>
+          </a:p>
+          <a:p>
+            <a:r>
+              <a:rPr lang="en-US" baseline="0" dirty="0" err="1" smtClean="0">
+                <a:effectLst/>
+              </a:rPr>
+              <a:t>Nho</a:t>
+            </a:r>
+            <a:r>
+              <a:rPr lang="en-US" baseline="0" dirty="0" smtClean="0">
+                <a:effectLst/>
+              </a:rPr>
+              <a:t> close </a:t>
+            </a:r>
+            <a:r>
+              <a:rPr lang="en-US" baseline="0" dirty="0" err="1" smtClean="0">
+                <a:effectLst/>
+              </a:rPr>
+              <a:t>moi</a:t>
+            </a:r>
+            <a:r>
+              <a:rPr lang="en-US" baseline="0" dirty="0" smtClean="0">
+                <a:effectLst/>
+              </a:rPr>
+              <a:t> </a:t>
+            </a:r>
+            <a:r>
+              <a:rPr lang="en-US" baseline="0" dirty="0" err="1" smtClean="0">
+                <a:effectLst/>
+              </a:rPr>
+              <a:t>khi</a:t>
+            </a:r>
+            <a:r>
+              <a:rPr lang="en-US" baseline="0" dirty="0" smtClean="0">
+                <a:effectLst/>
+              </a:rPr>
+              <a:t> open, </a:t>
+            </a:r>
+            <a:r>
+              <a:rPr lang="en-US" baseline="0" dirty="0" err="1" smtClean="0">
+                <a:effectLst/>
+              </a:rPr>
+              <a:t>kể</a:t>
+            </a:r>
+            <a:r>
+              <a:rPr lang="en-US" baseline="0" dirty="0" smtClean="0">
+                <a:effectLst/>
+              </a:rPr>
+              <a:t> </a:t>
+            </a:r>
+            <a:r>
+              <a:rPr lang="en-US" baseline="0" dirty="0" err="1" smtClean="0">
+                <a:effectLst/>
+              </a:rPr>
+              <a:t>chuyện</a:t>
+            </a:r>
+            <a:r>
+              <a:rPr lang="en-US" baseline="0" dirty="0" smtClean="0">
+                <a:effectLst/>
+              </a:rPr>
+              <a:t> </a:t>
+            </a:r>
+            <a:r>
+              <a:rPr lang="en-US" baseline="0" dirty="0" err="1" smtClean="0">
+                <a:effectLst/>
+              </a:rPr>
+              <a:t>quên</a:t>
+            </a:r>
+            <a:r>
+              <a:rPr lang="en-US" baseline="0" dirty="0" smtClean="0">
+                <a:effectLst/>
+              </a:rPr>
+              <a:t> không </a:t>
+            </a:r>
+            <a:r>
+              <a:rPr lang="en-US" baseline="0" dirty="0" err="1" smtClean="0">
+                <a:effectLst/>
+              </a:rPr>
+              <a:t>đóng</a:t>
+            </a:r>
+            <a:r>
+              <a:rPr lang="en-US" baseline="0" dirty="0" smtClean="0">
+                <a:effectLst/>
+              </a:rPr>
+              <a:t> file.</a:t>
+            </a:r>
+          </a:p>
+          <a:p>
+            <a:r>
+              <a:rPr lang="en-US" baseline="0" dirty="0" err="1" smtClean="0">
+                <a:effectLst/>
+              </a:rPr>
+              <a:t>Giải</a:t>
+            </a:r>
+            <a:r>
+              <a:rPr lang="en-US" baseline="0" dirty="0" smtClean="0">
+                <a:effectLst/>
+              </a:rPr>
+              <a:t> </a:t>
+            </a:r>
+            <a:r>
+              <a:rPr lang="en-US" baseline="0" dirty="0" err="1" smtClean="0">
+                <a:effectLst/>
+              </a:rPr>
+              <a:t>thích</a:t>
+            </a:r>
+            <a:r>
+              <a:rPr lang="en-US" baseline="0" dirty="0" smtClean="0">
+                <a:effectLst/>
+              </a:rPr>
+              <a:t> cho mọi người cache data </a:t>
+            </a:r>
+            <a:r>
+              <a:rPr lang="en-US" baseline="0" dirty="0" err="1" smtClean="0">
+                <a:effectLst/>
+              </a:rPr>
+              <a:t>khi</a:t>
+            </a:r>
+            <a:r>
+              <a:rPr lang="en-US" baseline="0" dirty="0" smtClean="0">
+                <a:effectLst/>
+              </a:rPr>
+              <a:t> </a:t>
+            </a:r>
+            <a:r>
+              <a:rPr lang="en-US" baseline="0" dirty="0" err="1" smtClean="0">
+                <a:effectLst/>
+              </a:rPr>
+              <a:t>nói</a:t>
+            </a:r>
+            <a:r>
+              <a:rPr lang="en-US" baseline="0" dirty="0" smtClean="0">
+                <a:effectLst/>
+              </a:rPr>
+              <a:t> về </a:t>
+            </a:r>
+            <a:r>
+              <a:rPr lang="en-US" baseline="0" dirty="0" err="1" smtClean="0">
+                <a:effectLst/>
+              </a:rPr>
+              <a:t>hàm</a:t>
+            </a:r>
+            <a:r>
+              <a:rPr lang="en-US" baseline="0" dirty="0" smtClean="0">
+                <a:effectLst/>
+              </a:rPr>
+              <a:t> sync, </a:t>
+            </a:r>
+            <a:r>
+              <a:rPr lang="en-US" baseline="0" dirty="0" err="1" smtClean="0">
+                <a:effectLst/>
+              </a:rPr>
+              <a:t>gợi</a:t>
+            </a:r>
+            <a:r>
+              <a:rPr lang="en-US" baseline="0" dirty="0" smtClean="0">
+                <a:effectLst/>
+              </a:rPr>
+              <a:t> </a:t>
+            </a:r>
+            <a:r>
+              <a:rPr lang="en-US" baseline="0" dirty="0" err="1" smtClean="0">
+                <a:effectLst/>
+              </a:rPr>
+              <a:t>nhớ</a:t>
+            </a:r>
+            <a:r>
+              <a:rPr lang="en-US" baseline="0" dirty="0" smtClean="0">
+                <a:effectLst/>
+              </a:rPr>
+              <a:t> </a:t>
+            </a:r>
+            <a:r>
+              <a:rPr lang="en-US" baseline="0" dirty="0" err="1" smtClean="0">
+                <a:effectLst/>
+              </a:rPr>
+              <a:t>đến</a:t>
+            </a:r>
+            <a:r>
+              <a:rPr lang="en-US" baseline="0" dirty="0" smtClean="0">
+                <a:effectLst/>
+              </a:rPr>
+              <a:t> </a:t>
+            </a:r>
+            <a:r>
+              <a:rPr lang="en-US" baseline="0" dirty="0" err="1" smtClean="0">
+                <a:effectLst/>
+              </a:rPr>
+              <a:t>hàm</a:t>
+            </a:r>
+            <a:r>
+              <a:rPr lang="en-US" baseline="0" dirty="0" smtClean="0">
+                <a:effectLst/>
+              </a:rPr>
+              <a:t> </a:t>
+            </a:r>
+            <a:r>
+              <a:rPr lang="en-US" baseline="0" dirty="0" err="1" smtClean="0">
+                <a:effectLst/>
+              </a:rPr>
+              <a:t>fflush</a:t>
+            </a:r>
+            <a:r>
+              <a:rPr lang="en-US" baseline="0" dirty="0" smtClean="0">
+                <a:effectLst/>
+              </a:rPr>
+              <a:t>.</a:t>
+            </a:r>
+          </a:p>
+          <a:p>
+            <a:endParaRPr lang="en-US" baseline="0" dirty="0" smtClean="0">
+              <a:effectLst/>
+            </a:endParaRPr>
+          </a:p>
+          <a:p>
+            <a:r>
+              <a:rPr lang="en-US" dirty="0" err="1" smtClean="0">
+                <a:effectLst/>
+              </a:rPr>
+              <a:t>Những</a:t>
+            </a:r>
+            <a:r>
+              <a:rPr lang="en-US" baseline="0" dirty="0" smtClean="0">
+                <a:effectLst/>
+              </a:rPr>
+              <a:t> </a:t>
+            </a:r>
+            <a:r>
+              <a:rPr lang="en-US" baseline="0" dirty="0" err="1" smtClean="0">
+                <a:effectLst/>
+              </a:rPr>
+              <a:t>lưu</a:t>
+            </a:r>
+            <a:r>
+              <a:rPr lang="en-US" baseline="0" dirty="0" smtClean="0">
+                <a:effectLst/>
+              </a:rPr>
+              <a:t> ý của </a:t>
+            </a:r>
+            <a:r>
+              <a:rPr lang="en-US" baseline="0" dirty="0" err="1" smtClean="0">
+                <a:effectLst/>
+              </a:rPr>
+              <a:t>hàm</a:t>
+            </a:r>
+            <a:r>
+              <a:rPr lang="en-US" dirty="0" smtClean="0">
+                <a:effectLst/>
+              </a:rPr>
+              <a:t> open()</a:t>
+            </a:r>
+          </a:p>
+          <a:p>
+            <a:pPr lvl="1"/>
+            <a:r>
+              <a:rPr lang="en-US" dirty="0" smtClean="0">
+                <a:effectLst/>
+              </a:rPr>
+              <a:t>- int open(const char *pathname, int flags);</a:t>
+            </a:r>
+          </a:p>
+          <a:p>
+            <a:pPr lvl="2"/>
+            <a:r>
+              <a:rPr lang="en-US" dirty="0" smtClean="0">
+                <a:effectLst/>
+              </a:rPr>
+              <a:t>Header:</a:t>
+            </a:r>
+          </a:p>
+          <a:p>
+            <a:pPr lvl="3"/>
+            <a:r>
+              <a:rPr lang="en-US" dirty="0" smtClean="0">
+                <a:effectLst/>
+              </a:rPr>
+              <a:t>#include &lt;sys/</a:t>
+            </a:r>
+            <a:r>
+              <a:rPr lang="en-US" dirty="0" err="1" smtClean="0">
+                <a:effectLst/>
+              </a:rPr>
+              <a:t>types.h</a:t>
+            </a:r>
+            <a:r>
+              <a:rPr lang="en-US" dirty="0" smtClean="0">
+                <a:effectLst/>
+              </a:rPr>
+              <a:t>&gt;</a:t>
+            </a:r>
+          </a:p>
+          <a:p>
+            <a:pPr lvl="3"/>
+            <a:r>
+              <a:rPr lang="en-US" dirty="0" smtClean="0">
+                <a:effectLst/>
+              </a:rPr>
+              <a:t>#include &lt;sys/</a:t>
+            </a:r>
+            <a:r>
+              <a:rPr lang="en-US" dirty="0" err="1" smtClean="0">
+                <a:effectLst/>
+              </a:rPr>
+              <a:t>stat.h</a:t>
+            </a:r>
+            <a:r>
+              <a:rPr lang="en-US" dirty="0" smtClean="0">
+                <a:effectLst/>
+              </a:rPr>
+              <a:t>&gt;</a:t>
+            </a:r>
+          </a:p>
+          <a:p>
+            <a:pPr lvl="3"/>
+            <a:r>
+              <a:rPr lang="en-US" dirty="0" smtClean="0">
+                <a:effectLst/>
+              </a:rPr>
+              <a:t>#include &lt;</a:t>
+            </a:r>
+            <a:r>
+              <a:rPr lang="en-US" dirty="0" err="1" smtClean="0">
+                <a:effectLst/>
+              </a:rPr>
+              <a:t>fcntl.h</a:t>
+            </a:r>
+            <a:r>
+              <a:rPr lang="en-US" dirty="0" smtClean="0">
+                <a:effectLst/>
+              </a:rPr>
+              <a:t>&gt;</a:t>
+            </a:r>
+          </a:p>
+          <a:p>
+            <a:pPr lvl="0"/>
+            <a:r>
+              <a:rPr lang="en-US" dirty="0" err="1" smtClean="0">
+                <a:effectLst/>
+              </a:rPr>
+              <a:t>Những</a:t>
+            </a:r>
+            <a:r>
+              <a:rPr lang="en-US" baseline="0" dirty="0" smtClean="0">
+                <a:effectLst/>
+              </a:rPr>
+              <a:t> </a:t>
+            </a:r>
+            <a:r>
+              <a:rPr lang="en-US" baseline="0" dirty="0" err="1" smtClean="0">
+                <a:effectLst/>
+              </a:rPr>
+              <a:t>lưu</a:t>
+            </a:r>
+            <a:r>
+              <a:rPr lang="en-US" baseline="0" dirty="0" smtClean="0">
+                <a:effectLst/>
+              </a:rPr>
+              <a:t> ý của </a:t>
+            </a:r>
+            <a:r>
+              <a:rPr lang="en-US" baseline="0" dirty="0" err="1" smtClean="0">
+                <a:effectLst/>
+              </a:rPr>
+              <a:t>hàm</a:t>
+            </a:r>
+            <a:r>
+              <a:rPr lang="en-US" dirty="0" smtClean="0">
+                <a:effectLst/>
+              </a:rPr>
+              <a:t> sync()</a:t>
+            </a:r>
+          </a:p>
+          <a:p>
+            <a:pPr lvl="1"/>
+            <a:r>
+              <a:rPr lang="vi-VN" dirty="0" smtClean="0">
+                <a:effectLst/>
+              </a:rPr>
+              <a:t>Flush tất cả cached data của tất cả các file đang mở trong hệ thống xuống ổ cứng. Có thể sẽ rất chậm do phải sync data cho cả chương trình khác.</a:t>
+            </a:r>
+            <a:r>
+              <a:rPr lang="en-US" dirty="0" smtClean="0">
+                <a:effectLst/>
+              </a:rPr>
+              <a:t> Do </a:t>
+            </a:r>
+            <a:r>
+              <a:rPr lang="en-US" dirty="0" err="1" smtClean="0">
+                <a:effectLst/>
+              </a:rPr>
+              <a:t>đó</a:t>
+            </a:r>
+            <a:r>
+              <a:rPr lang="en-US" baseline="0" dirty="0" smtClean="0">
+                <a:effectLst/>
+              </a:rPr>
+              <a:t> </a:t>
+            </a:r>
+            <a:r>
+              <a:rPr lang="en-US" baseline="0" dirty="0" err="1" smtClean="0">
+                <a:effectLst/>
+              </a:rPr>
+              <a:t>hàm</a:t>
+            </a:r>
+            <a:r>
+              <a:rPr lang="en-US" baseline="0" dirty="0" smtClean="0">
+                <a:effectLst/>
+              </a:rPr>
+              <a:t> sync() </a:t>
+            </a:r>
+            <a:r>
+              <a:rPr lang="en-US" baseline="0" dirty="0" err="1" smtClean="0">
+                <a:effectLst/>
+              </a:rPr>
+              <a:t>có</a:t>
+            </a:r>
+            <a:r>
+              <a:rPr lang="en-US" baseline="0" dirty="0" smtClean="0">
+                <a:effectLst/>
+              </a:rPr>
+              <a:t> </a:t>
+            </a:r>
+            <a:r>
+              <a:rPr lang="en-US" baseline="0" dirty="0" err="1" smtClean="0">
+                <a:effectLst/>
+              </a:rPr>
+              <a:t>thể</a:t>
+            </a:r>
+            <a:r>
+              <a:rPr lang="en-US" baseline="0" dirty="0" smtClean="0">
+                <a:effectLst/>
+              </a:rPr>
+              <a:t> </a:t>
+            </a:r>
+            <a:r>
+              <a:rPr lang="en-US" baseline="0" dirty="0" err="1" smtClean="0">
+                <a:effectLst/>
+              </a:rPr>
+              <a:t>gây</a:t>
+            </a:r>
+            <a:r>
+              <a:rPr lang="en-US" baseline="0" dirty="0" smtClean="0">
+                <a:effectLst/>
+              </a:rPr>
+              <a:t> </a:t>
+            </a:r>
+            <a:r>
+              <a:rPr lang="en-US" baseline="0" dirty="0" err="1" smtClean="0">
+                <a:effectLst/>
+              </a:rPr>
+              <a:t>treo</a:t>
+            </a:r>
+            <a:r>
+              <a:rPr lang="en-US" baseline="0" dirty="0" smtClean="0">
+                <a:effectLst/>
+              </a:rPr>
+              <a:t> </a:t>
+            </a:r>
+            <a:r>
+              <a:rPr lang="en-US" baseline="0" dirty="0" err="1" smtClean="0">
+                <a:effectLst/>
+              </a:rPr>
+              <a:t>hoặc</a:t>
+            </a:r>
+            <a:r>
+              <a:rPr lang="en-US" baseline="0" dirty="0" smtClean="0">
+                <a:effectLst/>
+              </a:rPr>
+              <a:t> crash </a:t>
+            </a:r>
+            <a:r>
+              <a:rPr lang="en-US" baseline="0" dirty="0" err="1" smtClean="0">
+                <a:effectLst/>
+              </a:rPr>
+              <a:t>chương</a:t>
+            </a:r>
+            <a:r>
+              <a:rPr lang="en-US" baseline="0" dirty="0" smtClean="0">
+                <a:effectLst/>
+              </a:rPr>
+              <a:t> </a:t>
+            </a:r>
+            <a:r>
+              <a:rPr lang="en-US" baseline="0" dirty="0" err="1" smtClean="0">
+                <a:effectLst/>
+              </a:rPr>
+              <a:t>trình</a:t>
+            </a:r>
+            <a:r>
+              <a:rPr lang="en-US" baseline="0" dirty="0" smtClean="0">
+                <a:effectLst/>
+              </a:rPr>
+              <a:t> </a:t>
+            </a:r>
+            <a:r>
+              <a:rPr lang="en-US" baseline="0" dirty="0" err="1" smtClean="0">
+                <a:effectLst/>
+              </a:rPr>
+              <a:t>gọi</a:t>
+            </a:r>
+            <a:r>
+              <a:rPr lang="en-US" baseline="0" dirty="0" smtClean="0">
+                <a:effectLst/>
+              </a:rPr>
+              <a:t> </a:t>
+            </a:r>
+            <a:r>
+              <a:rPr lang="en-US" baseline="0" dirty="0" err="1" smtClean="0">
+                <a:effectLst/>
+              </a:rPr>
+              <a:t>nó</a:t>
+            </a:r>
+            <a:r>
+              <a:rPr lang="en-US" baseline="0" dirty="0" smtClean="0">
+                <a:effectLst/>
+              </a:rPr>
+              <a:t> </a:t>
+            </a:r>
+            <a:r>
+              <a:rPr lang="en-US" baseline="0" dirty="0" err="1" smtClean="0">
+                <a:effectLst/>
+              </a:rPr>
+              <a:t>nếu</a:t>
+            </a:r>
+            <a:r>
+              <a:rPr lang="en-US" baseline="0" dirty="0" smtClean="0">
+                <a:effectLst/>
+              </a:rPr>
+              <a:t> ở </a:t>
+            </a:r>
+            <a:r>
+              <a:rPr lang="en-US" baseline="0" dirty="0" err="1" smtClean="0">
+                <a:effectLst/>
+              </a:rPr>
+              <a:t>chương</a:t>
+            </a:r>
+            <a:r>
+              <a:rPr lang="en-US" baseline="0" dirty="0" smtClean="0">
+                <a:effectLst/>
+              </a:rPr>
+              <a:t> </a:t>
+            </a:r>
+            <a:r>
+              <a:rPr lang="en-US" baseline="0" dirty="0" err="1" smtClean="0">
+                <a:effectLst/>
+              </a:rPr>
+              <a:t>trình</a:t>
+            </a:r>
+            <a:r>
+              <a:rPr lang="en-US" baseline="0" dirty="0" smtClean="0">
+                <a:effectLst/>
+              </a:rPr>
+              <a:t> </a:t>
+            </a:r>
+            <a:r>
+              <a:rPr lang="en-US" baseline="0" dirty="0" err="1" smtClean="0">
+                <a:effectLst/>
+              </a:rPr>
+              <a:t>khác</a:t>
+            </a:r>
+            <a:r>
+              <a:rPr lang="en-US" baseline="0" dirty="0" smtClean="0">
+                <a:effectLst/>
+              </a:rPr>
+              <a:t> </a:t>
+            </a:r>
+            <a:r>
+              <a:rPr lang="en-US" baseline="0" dirty="0" err="1" smtClean="0">
+                <a:effectLst/>
+              </a:rPr>
+              <a:t>ghi</a:t>
+            </a:r>
+            <a:r>
+              <a:rPr lang="en-US" baseline="0" dirty="0" smtClean="0">
+                <a:effectLst/>
+              </a:rPr>
+              <a:t> </a:t>
+            </a:r>
+            <a:r>
+              <a:rPr lang="en-US" baseline="0" dirty="0" err="1" smtClean="0">
+                <a:effectLst/>
+              </a:rPr>
+              <a:t>quá</a:t>
+            </a:r>
+            <a:r>
+              <a:rPr lang="en-US" baseline="0" dirty="0" smtClean="0">
+                <a:effectLst/>
+              </a:rPr>
+              <a:t> </a:t>
+            </a:r>
+            <a:r>
+              <a:rPr lang="en-US" baseline="0" dirty="0" err="1" smtClean="0">
+                <a:effectLst/>
+              </a:rPr>
+              <a:t>nhiều</a:t>
+            </a:r>
+            <a:r>
+              <a:rPr lang="en-US" baseline="0" dirty="0" smtClean="0">
+                <a:effectLst/>
+              </a:rPr>
+              <a:t> data </a:t>
+            </a:r>
+            <a:r>
+              <a:rPr lang="en-US" baseline="0" dirty="0" err="1" smtClean="0">
+                <a:effectLst/>
+              </a:rPr>
+              <a:t>xuống</a:t>
+            </a:r>
+            <a:r>
+              <a:rPr lang="en-US" baseline="0" dirty="0" smtClean="0">
+                <a:effectLst/>
+              </a:rPr>
+              <a:t> ổ </a:t>
+            </a:r>
+            <a:r>
+              <a:rPr lang="en-US" baseline="0" dirty="0" err="1" smtClean="0">
+                <a:effectLst/>
+              </a:rPr>
+              <a:t>cứng</a:t>
+            </a:r>
+            <a:r>
+              <a:rPr lang="en-US" baseline="0" dirty="0" smtClean="0">
+                <a:effectLst/>
+              </a:rPr>
+              <a:t>.</a:t>
+            </a:r>
+            <a:endParaRPr lang="en-US" dirty="0" smtClean="0">
+              <a:effectLst/>
+            </a:endParaRPr>
+          </a:p>
+          <a:p>
+            <a:pPr lvl="1"/>
+            <a:r>
+              <a:rPr lang="en-US" dirty="0" smtClean="0">
+                <a:effectLst/>
+              </a:rPr>
+              <a:t>int </a:t>
+            </a:r>
+            <a:r>
+              <a:rPr lang="en-US" dirty="0" err="1" smtClean="0">
+                <a:effectLst/>
+              </a:rPr>
+              <a:t>syncfs</a:t>
+            </a:r>
+            <a:r>
+              <a:rPr lang="en-US" dirty="0" smtClean="0">
+                <a:effectLst/>
+              </a:rPr>
+              <a:t>(int fd):</a:t>
+            </a:r>
+            <a:r>
+              <a:rPr lang="en-US" baseline="0" dirty="0" smtClean="0">
+                <a:effectLst/>
+              </a:rPr>
+              <a:t> </a:t>
+            </a:r>
+            <a:r>
+              <a:rPr lang="en-US" baseline="0" dirty="0" err="1" smtClean="0">
+                <a:effectLst/>
+              </a:rPr>
+              <a:t>Chỉ</a:t>
+            </a:r>
+            <a:r>
+              <a:rPr lang="en-US" baseline="0" dirty="0" smtClean="0">
+                <a:effectLst/>
+              </a:rPr>
+              <a:t> sync cho </a:t>
+            </a:r>
+            <a:r>
+              <a:rPr lang="en-US" baseline="0" dirty="0" err="1" smtClean="0">
+                <a:effectLst/>
+              </a:rPr>
+              <a:t>riêng</a:t>
+            </a:r>
+            <a:r>
+              <a:rPr lang="en-US" baseline="0" dirty="0" smtClean="0">
+                <a:effectLst/>
+              </a:rPr>
+              <a:t> 1 file</a:t>
+            </a:r>
+            <a:endParaRPr lang="en-US" dirty="0" smtClean="0">
+              <a:effectLst/>
+            </a:endParaRPr>
+          </a:p>
+          <a:p>
+            <a:r>
+              <a:rPr lang="en-US" dirty="0" err="1" smtClean="0">
+                <a:effectLst/>
+              </a:rPr>
+              <a:t>Những</a:t>
+            </a:r>
+            <a:r>
+              <a:rPr lang="en-US" baseline="0" dirty="0" smtClean="0">
+                <a:effectLst/>
+              </a:rPr>
+              <a:t> </a:t>
+            </a:r>
+            <a:r>
+              <a:rPr lang="en-US" baseline="0" dirty="0" err="1" smtClean="0">
+                <a:effectLst/>
+              </a:rPr>
+              <a:t>lưu</a:t>
+            </a:r>
+            <a:r>
+              <a:rPr lang="en-US" baseline="0" dirty="0" smtClean="0">
+                <a:effectLst/>
+              </a:rPr>
+              <a:t> ý của </a:t>
+            </a:r>
+            <a:r>
+              <a:rPr lang="en-US" baseline="0" dirty="0" err="1" smtClean="0">
+                <a:effectLst/>
+              </a:rPr>
+              <a:t>hàm</a:t>
+            </a:r>
+            <a:r>
+              <a:rPr lang="en-US" dirty="0" smtClean="0">
+                <a:effectLst/>
+              </a:rPr>
+              <a:t> close()</a:t>
+            </a:r>
+          </a:p>
+          <a:p>
+            <a:pPr lvl="1"/>
+            <a:r>
+              <a:rPr lang="en-US" dirty="0" smtClean="0">
+                <a:effectLst/>
+              </a:rPr>
+              <a:t>Free file pointer</a:t>
+            </a:r>
+          </a:p>
+          <a:p>
+            <a:pPr lvl="1"/>
+            <a:r>
+              <a:rPr lang="vi-VN" dirty="0" smtClean="0">
+                <a:effectLst/>
+              </a:rPr>
+              <a:t>Sẽ sync data trước khi close</a:t>
+            </a:r>
+            <a:endParaRPr lang="en-US" dirty="0" smtClean="0">
+              <a:effectLst/>
+            </a:endParaRPr>
+          </a:p>
+          <a:p>
+            <a:pPr lvl="1"/>
+            <a:r>
+              <a:rPr lang="en-US" dirty="0" err="1" smtClean="0">
+                <a:effectLst/>
+              </a:rPr>
+              <a:t>Xóa</a:t>
+            </a:r>
+            <a:r>
+              <a:rPr lang="en-US" dirty="0" smtClean="0">
+                <a:effectLst/>
+              </a:rPr>
+              <a:t> </a:t>
+            </a:r>
+            <a:r>
+              <a:rPr lang="en-US" dirty="0" err="1" smtClean="0">
+                <a:effectLst/>
+              </a:rPr>
+              <a:t>hàng</a:t>
+            </a:r>
+            <a:r>
+              <a:rPr lang="en-US" dirty="0" smtClean="0">
+                <a:effectLst/>
+              </a:rPr>
+              <a:t> </a:t>
+            </a:r>
+            <a:r>
+              <a:rPr lang="en-US" dirty="0" err="1" smtClean="0">
+                <a:effectLst/>
+              </a:rPr>
+              <a:t>chứa</a:t>
+            </a:r>
+            <a:r>
+              <a:rPr lang="en-US" dirty="0" smtClean="0">
+                <a:effectLst/>
+              </a:rPr>
+              <a:t> file fd đó trong file table của process</a:t>
+            </a:r>
+          </a:p>
+          <a:p>
+            <a:pPr lvl="1"/>
+            <a:r>
+              <a:rPr lang="en-US" dirty="0" err="1" smtClean="0">
+                <a:effectLst/>
+              </a:rPr>
+              <a:t>Khi</a:t>
+            </a:r>
+            <a:r>
+              <a:rPr lang="en-US" dirty="0" smtClean="0">
+                <a:effectLst/>
+              </a:rPr>
+              <a:t> process </a:t>
+            </a:r>
+            <a:r>
+              <a:rPr lang="en-US" dirty="0" err="1" smtClean="0">
+                <a:effectLst/>
+              </a:rPr>
+              <a:t>kết</a:t>
+            </a:r>
+            <a:r>
+              <a:rPr lang="en-US" dirty="0" smtClean="0">
+                <a:effectLst/>
+              </a:rPr>
+              <a:t> </a:t>
+            </a:r>
+            <a:r>
+              <a:rPr lang="en-US" dirty="0" err="1" smtClean="0">
+                <a:effectLst/>
+              </a:rPr>
+              <a:t>thúc</a:t>
+            </a:r>
+            <a:r>
+              <a:rPr lang="en-US" dirty="0" smtClean="0">
+                <a:effectLst/>
+              </a:rPr>
+              <a:t> thông qua </a:t>
+            </a:r>
+            <a:r>
+              <a:rPr lang="en-US" dirty="0" err="1" smtClean="0">
+                <a:effectLst/>
+              </a:rPr>
+              <a:t>gọi</a:t>
+            </a:r>
+            <a:r>
+              <a:rPr lang="en-US" dirty="0" smtClean="0">
+                <a:effectLst/>
+              </a:rPr>
+              <a:t> </a:t>
+            </a:r>
+            <a:r>
+              <a:rPr lang="en-US" dirty="0" err="1" smtClean="0">
+                <a:effectLst/>
+              </a:rPr>
+              <a:t>hàm</a:t>
+            </a:r>
+            <a:r>
+              <a:rPr lang="en-US" dirty="0" smtClean="0">
+                <a:effectLst/>
+              </a:rPr>
+              <a:t> exit() </a:t>
+            </a:r>
+            <a:r>
+              <a:rPr lang="en-US" dirty="0" err="1" smtClean="0">
+                <a:effectLst/>
+              </a:rPr>
+              <a:t>hoặc</a:t>
+            </a:r>
+            <a:r>
+              <a:rPr lang="en-US" dirty="0" smtClean="0">
+                <a:effectLst/>
+              </a:rPr>
+              <a:t> return trong </a:t>
+            </a:r>
+            <a:r>
+              <a:rPr lang="en-US" dirty="0" err="1" smtClean="0">
+                <a:effectLst/>
+              </a:rPr>
+              <a:t>hàm</a:t>
+            </a:r>
+            <a:r>
+              <a:rPr lang="en-US" dirty="0" smtClean="0">
+                <a:effectLst/>
+              </a:rPr>
+              <a:t> main </a:t>
+            </a:r>
+            <a:r>
+              <a:rPr lang="en-US" dirty="0" err="1" smtClean="0">
+                <a:effectLst/>
+              </a:rPr>
+              <a:t>thì</a:t>
+            </a:r>
+            <a:r>
+              <a:rPr lang="en-US" dirty="0" smtClean="0">
+                <a:effectLst/>
+              </a:rPr>
+              <a:t> OS sẽ </a:t>
+            </a:r>
+            <a:r>
+              <a:rPr lang="en-US" dirty="0" err="1" smtClean="0">
+                <a:effectLst/>
+              </a:rPr>
+              <a:t>tự</a:t>
+            </a:r>
+            <a:r>
+              <a:rPr lang="en-US" dirty="0" smtClean="0">
+                <a:effectLst/>
+              </a:rPr>
+              <a:t> </a:t>
+            </a:r>
+            <a:r>
+              <a:rPr lang="en-US" dirty="0" err="1" smtClean="0">
+                <a:effectLst/>
+              </a:rPr>
+              <a:t>động</a:t>
+            </a:r>
+            <a:r>
+              <a:rPr lang="en-US" dirty="0" smtClean="0">
+                <a:effectLst/>
+              </a:rPr>
+              <a:t> call close() cho </a:t>
+            </a:r>
+            <a:r>
+              <a:rPr lang="en-US" dirty="0" err="1" smtClean="0">
+                <a:effectLst/>
+              </a:rPr>
+              <a:t>tất</a:t>
+            </a:r>
+            <a:r>
+              <a:rPr lang="en-US" dirty="0" smtClean="0">
+                <a:effectLst/>
+              </a:rPr>
+              <a:t> </a:t>
+            </a:r>
+            <a:r>
+              <a:rPr lang="en-US" dirty="0" err="1" smtClean="0">
+                <a:effectLst/>
+              </a:rPr>
+              <a:t>cả</a:t>
+            </a:r>
+            <a:r>
+              <a:rPr lang="en-US" dirty="0" smtClean="0">
+                <a:effectLst/>
+              </a:rPr>
+              <a:t> các file có trong file table.</a:t>
+            </a:r>
+          </a:p>
+          <a:p>
+            <a:pPr lvl="0"/>
+            <a:r>
+              <a:rPr lang="en-US" dirty="0" err="1" smtClean="0">
+                <a:effectLst/>
+              </a:rPr>
+              <a:t>Phần</a:t>
+            </a:r>
+            <a:r>
+              <a:rPr lang="en-US" baseline="0" dirty="0" smtClean="0">
+                <a:effectLst/>
+              </a:rPr>
+              <a:t> implement file system trong source code của kernel </a:t>
+            </a:r>
+            <a:r>
+              <a:rPr lang="en-US" baseline="0" dirty="0" err="1" smtClean="0">
+                <a:effectLst/>
+              </a:rPr>
+              <a:t>rất</a:t>
+            </a:r>
+            <a:r>
+              <a:rPr lang="en-US" baseline="0" dirty="0" smtClean="0">
+                <a:effectLst/>
+              </a:rPr>
+              <a:t> </a:t>
+            </a:r>
+            <a:r>
+              <a:rPr lang="en-US" baseline="0" dirty="0" err="1" smtClean="0">
+                <a:effectLst/>
+              </a:rPr>
+              <a:t>phức</a:t>
+            </a:r>
+            <a:r>
+              <a:rPr lang="en-US" baseline="0" dirty="0" smtClean="0">
+                <a:effectLst/>
+              </a:rPr>
+              <a:t> </a:t>
+            </a:r>
+            <a:r>
+              <a:rPr lang="en-US" baseline="0" dirty="0" err="1" smtClean="0">
+                <a:effectLst/>
+              </a:rPr>
+              <a:t>tạp</a:t>
+            </a:r>
+            <a:r>
+              <a:rPr lang="en-US" baseline="0" dirty="0" smtClean="0">
+                <a:effectLst/>
+              </a:rPr>
+              <a:t>.</a:t>
+            </a:r>
+          </a:p>
+          <a:p>
+            <a:pPr lvl="0"/>
+            <a:r>
+              <a:rPr lang="en-US" baseline="0" dirty="0" err="1" smtClean="0">
+                <a:effectLst/>
+              </a:rPr>
+              <a:t>Ví</a:t>
+            </a:r>
+            <a:r>
+              <a:rPr lang="en-US" baseline="0" dirty="0" smtClean="0">
+                <a:effectLst/>
+              </a:rPr>
+              <a:t> </a:t>
+            </a:r>
+            <a:r>
+              <a:rPr lang="en-US" baseline="0" dirty="0" err="1" smtClean="0">
+                <a:effectLst/>
+              </a:rPr>
+              <a:t>dụ</a:t>
+            </a:r>
+            <a:r>
+              <a:rPr lang="en-US" baseline="0" dirty="0" smtClean="0">
+                <a:effectLst/>
+              </a:rPr>
+              <a:t> </a:t>
+            </a:r>
+            <a:r>
+              <a:rPr lang="en-US" baseline="0" dirty="0" err="1" smtClean="0">
+                <a:effectLst/>
+              </a:rPr>
+              <a:t>đọc</a:t>
+            </a:r>
+            <a:r>
+              <a:rPr lang="en-US" baseline="0" dirty="0" smtClean="0">
+                <a:effectLst/>
+              </a:rPr>
+              <a:t> </a:t>
+            </a:r>
+            <a:r>
+              <a:rPr lang="en-US" baseline="0" dirty="0" err="1" smtClean="0">
+                <a:effectLst/>
+              </a:rPr>
+              <a:t>ghi</a:t>
+            </a:r>
+            <a:r>
+              <a:rPr lang="en-US" baseline="0" dirty="0" smtClean="0">
+                <a:effectLst/>
+              </a:rPr>
+              <a:t> 1 file </a:t>
+            </a:r>
+            <a:r>
+              <a:rPr lang="en-US" baseline="0" dirty="0" err="1" smtClean="0">
+                <a:effectLst/>
+              </a:rPr>
+              <a:t>đơn</a:t>
+            </a:r>
+            <a:r>
+              <a:rPr lang="en-US" baseline="0" dirty="0" smtClean="0">
+                <a:effectLst/>
+              </a:rPr>
+              <a:t> </a:t>
+            </a:r>
+            <a:r>
+              <a:rPr lang="en-US" baseline="0" dirty="0" err="1" smtClean="0">
+                <a:effectLst/>
+              </a:rPr>
+              <a:t>giản</a:t>
+            </a:r>
+            <a:endParaRPr lang="en-US" dirty="0" smtClean="0">
+              <a:effectLst/>
+            </a:endParaRPr>
           </a:p>
         </p:txBody>
       </p:sp>
@@ -2104,7 +3184,7 @@
     </p:spTree>
     <p:extLst>
       <p:ext uri="{BB962C8B-B14F-4D97-AF65-F5344CB8AC3E}">
-        <p14:creationId xmlns:p14="http://schemas.microsoft.com/office/powerpoint/2010/main" val="495567564"/>
+        <p14:creationId xmlns:p14="http://schemas.microsoft.com/office/powerpoint/2010/main" val="92379664"/>
       </p:ext>
     </p:extLst>
   </p:cSld>
@@ -2160,7 +3240,110 @@
           <a:p>
             <a:r>
               <a:rPr lang="vi-VN" dirty="0" smtClean="0"/>
-              <a:t>Đa số các thiết bị lưu trữ được thiết kế theo dạng block. Mỗi lần đọc thông thường sẽ đọc được ít nhất là 512 bytes. Nguyên nhân là do giới hạn của phần cứng, ví dụ ổ cứng cần 1 khoảng thời gian tối thiểu để quay và dừng lại, do đó nó không thể đọc chỉ 1 byte mà thông thường sẽ đọc được tối thiểu 512 bytes.</a:t>
+              <a:t>Vẽ bảng file table cho mọi người xem</a:t>
+            </a:r>
+            <a:endParaRPr lang="en-US" dirty="0" smtClean="0"/>
+          </a:p>
+          <a:p>
+            <a:r>
+              <a:rPr lang="en-US" dirty="0" smtClean="0"/>
+              <a:t>source code: </a:t>
+            </a:r>
+            <a:r>
+              <a:rPr lang="en-US" dirty="0" err="1" smtClean="0"/>
+              <a:t>task_struct</a:t>
+            </a:r>
+            <a:r>
+              <a:rPr lang="en-US" dirty="0" smtClean="0"/>
+              <a:t>-&gt;files-&gt;</a:t>
+            </a:r>
+            <a:r>
+              <a:rPr lang="en-US" dirty="0" err="1" smtClean="0"/>
+              <a:t>fdtable</a:t>
+            </a:r>
+            <a:endParaRPr lang="en-US" dirty="0" smtClean="0"/>
+          </a:p>
+          <a:p>
+            <a:r>
+              <a:rPr lang="en-US" dirty="0" err="1" smtClean="0"/>
+              <a:t>Bản</a:t>
+            </a:r>
+            <a:r>
+              <a:rPr lang="en-US" dirty="0" smtClean="0"/>
+              <a:t> </a:t>
+            </a:r>
+            <a:r>
+              <a:rPr lang="en-US" dirty="0" err="1" smtClean="0"/>
+              <a:t>chất</a:t>
+            </a:r>
+            <a:r>
+              <a:rPr lang="en-US" dirty="0" smtClean="0"/>
+              <a:t> của file fd</a:t>
+            </a:r>
+          </a:p>
+          <a:p>
+            <a:r>
+              <a:rPr lang="en-US" dirty="0" smtClean="0"/>
+              <a:t>	</a:t>
+            </a:r>
+            <a:r>
+              <a:rPr lang="vi-VN" dirty="0" smtClean="0"/>
+              <a:t>Là số nguyên dương</a:t>
+            </a:r>
+            <a:endParaRPr lang="en-US" dirty="0" smtClean="0"/>
+          </a:p>
+          <a:p>
+            <a:r>
+              <a:rPr lang="en-US" dirty="0" smtClean="0"/>
+              <a:t>	</a:t>
+            </a:r>
+            <a:r>
+              <a:rPr lang="vi-VN" dirty="0" smtClean="0"/>
+              <a:t>Là số nguyên dương đại diện cho index của file pointer trong bảng file table của process</a:t>
+            </a:r>
+            <a:endParaRPr lang="en-US" dirty="0" smtClean="0"/>
+          </a:p>
+          <a:p>
+            <a:r>
+              <a:rPr lang="en-US" dirty="0" smtClean="0"/>
+              <a:t>	</a:t>
+            </a:r>
+            <a:r>
+              <a:rPr lang="vi-VN" dirty="0" smtClean="0"/>
+              <a:t>STDIN, STDOUT và STDERR chính là 3 file fd được tạo ra khi process start. Chúng chiếm 3 vị trí đầu tiên trong bảng file table.</a:t>
+            </a:r>
+            <a:endParaRPr lang="en-US" dirty="0" smtClean="0"/>
+          </a:p>
+          <a:p>
+            <a:r>
+              <a:rPr lang="en-US" dirty="0" smtClean="0"/>
+              <a:t>	</a:t>
+            </a:r>
+            <a:r>
+              <a:rPr lang="en-US" dirty="0" err="1" smtClean="0"/>
+              <a:t>Toán</a:t>
+            </a:r>
+            <a:r>
+              <a:rPr lang="en-US" dirty="0" smtClean="0"/>
+              <a:t> </a:t>
+            </a:r>
+            <a:r>
+              <a:rPr lang="en-US" dirty="0" err="1" smtClean="0"/>
+              <a:t>tử</a:t>
+            </a:r>
+            <a:r>
+              <a:rPr lang="en-US" dirty="0" smtClean="0"/>
+              <a:t> "&gt;"?</a:t>
+            </a:r>
+          </a:p>
+          <a:p>
+            <a:r>
+              <a:rPr lang="en-US" dirty="0" smtClean="0"/>
+              <a:t>		</a:t>
+            </a:r>
+            <a:r>
+              <a:rPr lang="vi-VN" dirty="0" smtClean="0"/>
+              <a:t>Tác dụng thay đổi các file STDIN, STDOUT, STDERR của process khi nó được tạo ra</a:t>
             </a:r>
             <a:endParaRPr lang="en-US" dirty="0"/>
           </a:p>
@@ -2192,7 +3375,7 @@
     </p:spTree>
     <p:extLst>
       <p:ext uri="{BB962C8B-B14F-4D97-AF65-F5344CB8AC3E}">
-        <p14:creationId xmlns:p14="http://schemas.microsoft.com/office/powerpoint/2010/main" val="328631057"/>
+        <p14:creationId xmlns:p14="http://schemas.microsoft.com/office/powerpoint/2010/main" val="991807400"/>
       </p:ext>
     </p:extLst>
   </p:cSld>
@@ -2247,1205 +3430,10 @@
           <a:lstStyle/>
           <a:p>
             <a:r>
-              <a:rPr lang="en-US" dirty="0" smtClean="0">
-                <a:effectLst/>
-              </a:rPr>
-              <a:t>Ham open </a:t>
-            </a:r>
-            <a:r>
-              <a:rPr lang="en-US" dirty="0" err="1" smtClean="0">
-                <a:effectLst/>
-              </a:rPr>
-              <a:t>neu</a:t>
-            </a:r>
-            <a:r>
-              <a:rPr lang="en-US" baseline="0" dirty="0" smtClean="0">
-                <a:effectLst/>
-              </a:rPr>
-              <a:t> </a:t>
-            </a:r>
-            <a:r>
-              <a:rPr lang="en-US" baseline="0" dirty="0" err="1" smtClean="0">
-                <a:effectLst/>
-              </a:rPr>
-              <a:t>truyen</a:t>
-            </a:r>
-            <a:r>
-              <a:rPr lang="en-US" baseline="0" dirty="0" smtClean="0">
-                <a:effectLst/>
-              </a:rPr>
-              <a:t> option “w” </a:t>
-            </a:r>
-            <a:r>
-              <a:rPr lang="en-US" baseline="0" dirty="0" err="1" smtClean="0">
-                <a:effectLst/>
-              </a:rPr>
-              <a:t>hoac</a:t>
-            </a:r>
-            <a:r>
-              <a:rPr lang="en-US" baseline="0" dirty="0" smtClean="0">
-                <a:effectLst/>
-              </a:rPr>
-              <a:t> “a” se </a:t>
-            </a:r>
-            <a:r>
-              <a:rPr lang="en-US" baseline="0" dirty="0" err="1" smtClean="0">
-                <a:effectLst/>
-              </a:rPr>
-              <a:t>tao</a:t>
-            </a:r>
-            <a:r>
-              <a:rPr lang="en-US" baseline="0" dirty="0" smtClean="0">
-                <a:effectLst/>
-              </a:rPr>
-              <a:t> file </a:t>
-            </a:r>
-            <a:r>
-              <a:rPr lang="en-US" baseline="0" dirty="0" err="1" smtClean="0">
-                <a:effectLst/>
-              </a:rPr>
-              <a:t>moi</a:t>
-            </a:r>
-            <a:r>
-              <a:rPr lang="en-US" baseline="0" dirty="0" smtClean="0">
-                <a:effectLst/>
-              </a:rPr>
-              <a:t> </a:t>
-            </a:r>
-            <a:r>
-              <a:rPr lang="en-US" baseline="0" dirty="0" err="1" smtClean="0">
-                <a:effectLst/>
-              </a:rPr>
-              <a:t>neu</a:t>
-            </a:r>
-            <a:r>
-              <a:rPr lang="en-US" baseline="0" dirty="0" smtClean="0">
-                <a:effectLst/>
-              </a:rPr>
-              <a:t> file </a:t>
-            </a:r>
-            <a:r>
-              <a:rPr lang="en-US" baseline="0" dirty="0" err="1" smtClean="0">
-                <a:effectLst/>
-              </a:rPr>
-              <a:t>ko</a:t>
-            </a:r>
-            <a:r>
-              <a:rPr lang="en-US" baseline="0" dirty="0" smtClean="0">
-                <a:effectLst/>
-              </a:rPr>
-              <a:t> ton tai</a:t>
-            </a:r>
-          </a:p>
-          <a:p>
-            <a:r>
-              <a:rPr lang="en-US" baseline="0" dirty="0" err="1" smtClean="0">
-                <a:effectLst/>
-              </a:rPr>
-              <a:t>Nen</a:t>
-            </a:r>
-            <a:r>
-              <a:rPr lang="en-US" baseline="0" dirty="0" smtClean="0">
-                <a:effectLst/>
-              </a:rPr>
-              <a:t> check file fd &gt; 0 </a:t>
-            </a:r>
-            <a:r>
-              <a:rPr lang="en-US" baseline="0" dirty="0" err="1" smtClean="0">
-                <a:effectLst/>
-              </a:rPr>
-              <a:t>truoc</a:t>
-            </a:r>
-            <a:r>
-              <a:rPr lang="en-US" baseline="0" dirty="0" smtClean="0">
-                <a:effectLst/>
-              </a:rPr>
-              <a:t> </a:t>
-            </a:r>
-            <a:r>
-              <a:rPr lang="en-US" baseline="0" dirty="0" err="1" smtClean="0">
-                <a:effectLst/>
-              </a:rPr>
-              <a:t>khi</a:t>
-            </a:r>
-            <a:r>
-              <a:rPr lang="en-US" baseline="0" dirty="0" smtClean="0">
-                <a:effectLst/>
-              </a:rPr>
-              <a:t> </a:t>
-            </a:r>
-            <a:r>
-              <a:rPr lang="en-US" baseline="0" dirty="0" err="1" smtClean="0">
-                <a:effectLst/>
-              </a:rPr>
-              <a:t>ghi</a:t>
-            </a:r>
-            <a:endParaRPr lang="en-US" baseline="0" dirty="0" smtClean="0">
-              <a:effectLst/>
-            </a:endParaRPr>
-          </a:p>
-          <a:p>
-            <a:r>
-              <a:rPr lang="en-US" baseline="0" dirty="0" err="1" smtClean="0">
-                <a:effectLst/>
-              </a:rPr>
-              <a:t>Nho</a:t>
-            </a:r>
-            <a:r>
-              <a:rPr lang="en-US" baseline="0" dirty="0" smtClean="0">
-                <a:effectLst/>
-              </a:rPr>
-              <a:t> close </a:t>
-            </a:r>
-            <a:r>
-              <a:rPr lang="en-US" baseline="0" dirty="0" err="1" smtClean="0">
-                <a:effectLst/>
-              </a:rPr>
-              <a:t>moi</a:t>
-            </a:r>
-            <a:r>
-              <a:rPr lang="en-US" baseline="0" dirty="0" smtClean="0">
-                <a:effectLst/>
-              </a:rPr>
-              <a:t> </a:t>
-            </a:r>
-            <a:r>
-              <a:rPr lang="en-US" baseline="0" dirty="0" err="1" smtClean="0">
-                <a:effectLst/>
-              </a:rPr>
-              <a:t>khi</a:t>
-            </a:r>
-            <a:r>
-              <a:rPr lang="en-US" baseline="0" dirty="0" smtClean="0">
-                <a:effectLst/>
-              </a:rPr>
-              <a:t> open, </a:t>
-            </a:r>
-            <a:r>
-              <a:rPr lang="en-US" baseline="0" dirty="0" err="1" smtClean="0">
-                <a:effectLst/>
-              </a:rPr>
-              <a:t>kể</a:t>
-            </a:r>
-            <a:r>
-              <a:rPr lang="en-US" baseline="0" dirty="0" smtClean="0">
-                <a:effectLst/>
-              </a:rPr>
-              <a:t> </a:t>
-            </a:r>
-            <a:r>
-              <a:rPr lang="en-US" baseline="0" dirty="0" err="1" smtClean="0">
-                <a:effectLst/>
-              </a:rPr>
-              <a:t>chuyện</a:t>
-            </a:r>
-            <a:r>
-              <a:rPr lang="en-US" baseline="0" dirty="0" smtClean="0">
-                <a:effectLst/>
-              </a:rPr>
-              <a:t> </a:t>
-            </a:r>
-            <a:r>
-              <a:rPr lang="en-US" baseline="0" dirty="0" err="1" smtClean="0">
-                <a:effectLst/>
-              </a:rPr>
-              <a:t>quên</a:t>
-            </a:r>
-            <a:r>
-              <a:rPr lang="en-US" baseline="0" dirty="0" smtClean="0">
-                <a:effectLst/>
-              </a:rPr>
-              <a:t> không </a:t>
-            </a:r>
-            <a:r>
-              <a:rPr lang="en-US" baseline="0" dirty="0" err="1" smtClean="0">
-                <a:effectLst/>
-              </a:rPr>
-              <a:t>đóng</a:t>
-            </a:r>
-            <a:r>
-              <a:rPr lang="en-US" baseline="0" dirty="0" smtClean="0">
-                <a:effectLst/>
-              </a:rPr>
-              <a:t> file.</a:t>
-            </a:r>
-          </a:p>
-          <a:p>
-            <a:r>
-              <a:rPr lang="en-US" baseline="0" dirty="0" err="1" smtClean="0">
-                <a:effectLst/>
-              </a:rPr>
-              <a:t>Giải</a:t>
-            </a:r>
-            <a:r>
-              <a:rPr lang="en-US" baseline="0" dirty="0" smtClean="0">
-                <a:effectLst/>
-              </a:rPr>
-              <a:t> </a:t>
-            </a:r>
-            <a:r>
-              <a:rPr lang="en-US" baseline="0" dirty="0" err="1" smtClean="0">
-                <a:effectLst/>
-              </a:rPr>
-              <a:t>thích</a:t>
-            </a:r>
-            <a:r>
-              <a:rPr lang="en-US" baseline="0" dirty="0" smtClean="0">
-                <a:effectLst/>
-              </a:rPr>
-              <a:t> cho mọi người cache data </a:t>
-            </a:r>
-            <a:r>
-              <a:rPr lang="en-US" baseline="0" dirty="0" err="1" smtClean="0">
-                <a:effectLst/>
-              </a:rPr>
-              <a:t>khi</a:t>
-            </a:r>
-            <a:r>
-              <a:rPr lang="en-US" baseline="0" dirty="0" smtClean="0">
-                <a:effectLst/>
-              </a:rPr>
-              <a:t> </a:t>
-            </a:r>
-            <a:r>
-              <a:rPr lang="en-US" baseline="0" dirty="0" err="1" smtClean="0">
-                <a:effectLst/>
-              </a:rPr>
-              <a:t>nói</a:t>
-            </a:r>
-            <a:r>
-              <a:rPr lang="en-US" baseline="0" dirty="0" smtClean="0">
-                <a:effectLst/>
-              </a:rPr>
-              <a:t> về </a:t>
-            </a:r>
-            <a:r>
-              <a:rPr lang="en-US" baseline="0" dirty="0" err="1" smtClean="0">
-                <a:effectLst/>
-              </a:rPr>
-              <a:t>hàm</a:t>
-            </a:r>
-            <a:r>
-              <a:rPr lang="en-US" baseline="0" dirty="0" smtClean="0">
-                <a:effectLst/>
-              </a:rPr>
-              <a:t> sync, </a:t>
-            </a:r>
-            <a:r>
-              <a:rPr lang="en-US" baseline="0" dirty="0" err="1" smtClean="0">
-                <a:effectLst/>
-              </a:rPr>
-              <a:t>gợi</a:t>
-            </a:r>
-            <a:r>
-              <a:rPr lang="en-US" baseline="0" dirty="0" smtClean="0">
-                <a:effectLst/>
-              </a:rPr>
-              <a:t> </a:t>
-            </a:r>
-            <a:r>
-              <a:rPr lang="en-US" baseline="0" dirty="0" err="1" smtClean="0">
-                <a:effectLst/>
-              </a:rPr>
-              <a:t>nhớ</a:t>
-            </a:r>
-            <a:r>
-              <a:rPr lang="en-US" baseline="0" dirty="0" smtClean="0">
-                <a:effectLst/>
-              </a:rPr>
-              <a:t> </a:t>
-            </a:r>
-            <a:r>
-              <a:rPr lang="en-US" baseline="0" dirty="0" err="1" smtClean="0">
-                <a:effectLst/>
-              </a:rPr>
-              <a:t>đến</a:t>
-            </a:r>
-            <a:r>
-              <a:rPr lang="en-US" baseline="0" dirty="0" smtClean="0">
-                <a:effectLst/>
-              </a:rPr>
-              <a:t> </a:t>
-            </a:r>
-            <a:r>
-              <a:rPr lang="en-US" baseline="0" dirty="0" err="1" smtClean="0">
-                <a:effectLst/>
-              </a:rPr>
-              <a:t>hàm</a:t>
-            </a:r>
-            <a:r>
-              <a:rPr lang="en-US" baseline="0" dirty="0" smtClean="0">
-                <a:effectLst/>
-              </a:rPr>
-              <a:t> </a:t>
-            </a:r>
-            <a:r>
-              <a:rPr lang="en-US" baseline="0" dirty="0" err="1" smtClean="0">
-                <a:effectLst/>
-              </a:rPr>
-              <a:t>fflush</a:t>
-            </a:r>
-            <a:r>
-              <a:rPr lang="en-US" baseline="0" dirty="0" smtClean="0">
-                <a:effectLst/>
-              </a:rPr>
-              <a:t>.</a:t>
-            </a:r>
-          </a:p>
-          <a:p>
-            <a:endParaRPr lang="en-US" baseline="0" dirty="0" smtClean="0">
-              <a:effectLst/>
-            </a:endParaRPr>
-          </a:p>
-          <a:p>
-            <a:r>
-              <a:rPr lang="en-US" dirty="0" err="1" smtClean="0">
-                <a:effectLst/>
-              </a:rPr>
-              <a:t>Những</a:t>
-            </a:r>
-            <a:r>
-              <a:rPr lang="en-US" baseline="0" dirty="0" smtClean="0">
-                <a:effectLst/>
-              </a:rPr>
-              <a:t> </a:t>
-            </a:r>
-            <a:r>
-              <a:rPr lang="en-US" baseline="0" dirty="0" err="1" smtClean="0">
-                <a:effectLst/>
-              </a:rPr>
-              <a:t>lưu</a:t>
-            </a:r>
-            <a:r>
-              <a:rPr lang="en-US" baseline="0" dirty="0" smtClean="0">
-                <a:effectLst/>
-              </a:rPr>
-              <a:t> ý của </a:t>
-            </a:r>
-            <a:r>
-              <a:rPr lang="en-US" baseline="0" dirty="0" err="1" smtClean="0">
-                <a:effectLst/>
-              </a:rPr>
-              <a:t>hàm</a:t>
-            </a:r>
-            <a:r>
-              <a:rPr lang="en-US" dirty="0" smtClean="0">
-                <a:effectLst/>
-              </a:rPr>
-              <a:t> open()</a:t>
-            </a:r>
-          </a:p>
-          <a:p>
-            <a:pPr lvl="1"/>
-            <a:r>
-              <a:rPr lang="en-US" dirty="0" smtClean="0">
-                <a:effectLst/>
-              </a:rPr>
-              <a:t>- </a:t>
-            </a:r>
-            <a:r>
-              <a:rPr lang="en-US" dirty="0" smtClean="0">
-                <a:effectLst/>
-              </a:rPr>
-              <a:t>int open(const char *pathname, int flags);</a:t>
-            </a:r>
-          </a:p>
-          <a:p>
-            <a:pPr lvl="2"/>
-            <a:r>
-              <a:rPr lang="en-US" dirty="0" smtClean="0">
-                <a:effectLst/>
-              </a:rPr>
-              <a:t>Header:</a:t>
-            </a:r>
-          </a:p>
-          <a:p>
-            <a:pPr lvl="3"/>
-            <a:r>
-              <a:rPr lang="en-US" dirty="0" smtClean="0">
-                <a:effectLst/>
-              </a:rPr>
-              <a:t>#include &lt;sys/</a:t>
-            </a:r>
-            <a:r>
-              <a:rPr lang="en-US" dirty="0" err="1" smtClean="0">
-                <a:effectLst/>
-              </a:rPr>
-              <a:t>types.h</a:t>
-            </a:r>
-            <a:r>
-              <a:rPr lang="en-US" dirty="0" smtClean="0">
-                <a:effectLst/>
-              </a:rPr>
-              <a:t>&gt;</a:t>
-            </a:r>
-          </a:p>
-          <a:p>
-            <a:pPr lvl="3"/>
-            <a:r>
-              <a:rPr lang="en-US" dirty="0" smtClean="0">
-                <a:effectLst/>
-              </a:rPr>
-              <a:t>#include &lt;sys/</a:t>
-            </a:r>
-            <a:r>
-              <a:rPr lang="en-US" dirty="0" err="1" smtClean="0">
-                <a:effectLst/>
-              </a:rPr>
-              <a:t>stat.h</a:t>
-            </a:r>
-            <a:r>
-              <a:rPr lang="en-US" dirty="0" smtClean="0">
-                <a:effectLst/>
-              </a:rPr>
-              <a:t>&gt;</a:t>
-            </a:r>
-          </a:p>
-          <a:p>
-            <a:pPr lvl="3"/>
-            <a:r>
-              <a:rPr lang="en-US" dirty="0" smtClean="0">
-                <a:effectLst/>
-              </a:rPr>
-              <a:t>#include &lt;</a:t>
-            </a:r>
-            <a:r>
-              <a:rPr lang="en-US" dirty="0" err="1" smtClean="0">
-                <a:effectLst/>
-              </a:rPr>
-              <a:t>fcntl.h</a:t>
-            </a:r>
-            <a:r>
-              <a:rPr lang="en-US" dirty="0" smtClean="0">
-                <a:effectLst/>
-              </a:rPr>
-              <a:t>&gt;</a:t>
-            </a:r>
-          </a:p>
-          <a:p>
-            <a:pPr lvl="0"/>
-            <a:r>
-              <a:rPr lang="en-US" dirty="0" err="1" smtClean="0">
-                <a:effectLst/>
-              </a:rPr>
-              <a:t>Những</a:t>
-            </a:r>
-            <a:r>
-              <a:rPr lang="en-US" baseline="0" dirty="0" smtClean="0">
-                <a:effectLst/>
-              </a:rPr>
-              <a:t> </a:t>
-            </a:r>
-            <a:r>
-              <a:rPr lang="en-US" baseline="0" dirty="0" err="1" smtClean="0">
-                <a:effectLst/>
-              </a:rPr>
-              <a:t>lưu</a:t>
-            </a:r>
-            <a:r>
-              <a:rPr lang="en-US" baseline="0" dirty="0" smtClean="0">
-                <a:effectLst/>
-              </a:rPr>
-              <a:t> ý của </a:t>
-            </a:r>
-            <a:r>
-              <a:rPr lang="en-US" baseline="0" dirty="0" err="1" smtClean="0">
-                <a:effectLst/>
-              </a:rPr>
-              <a:t>hàm</a:t>
-            </a:r>
-            <a:r>
-              <a:rPr lang="en-US" dirty="0" smtClean="0">
-                <a:effectLst/>
-              </a:rPr>
-              <a:t> sync()</a:t>
-            </a:r>
-          </a:p>
-          <a:p>
-            <a:pPr lvl="1"/>
-            <a:r>
-              <a:rPr lang="vi-VN" dirty="0" smtClean="0">
-                <a:effectLst/>
-              </a:rPr>
-              <a:t>Flush tất cả cached data của tất cả các file đang mở trong hệ thống xuống ổ cứng. Có thể sẽ rất chậm do phải sync data cho cả chương trình khác</a:t>
-            </a:r>
-            <a:r>
-              <a:rPr lang="vi-VN" dirty="0" smtClean="0">
-                <a:effectLst/>
-              </a:rPr>
-              <a:t>.</a:t>
-            </a:r>
-            <a:r>
-              <a:rPr lang="en-US" dirty="0" smtClean="0">
-                <a:effectLst/>
-              </a:rPr>
-              <a:t> Do </a:t>
-            </a:r>
-            <a:r>
-              <a:rPr lang="en-US" dirty="0" err="1" smtClean="0">
-                <a:effectLst/>
-              </a:rPr>
-              <a:t>đó</a:t>
-            </a:r>
-            <a:r>
-              <a:rPr lang="en-US" baseline="0" dirty="0" smtClean="0">
-                <a:effectLst/>
-              </a:rPr>
-              <a:t> </a:t>
-            </a:r>
-            <a:r>
-              <a:rPr lang="en-US" baseline="0" dirty="0" err="1" smtClean="0">
-                <a:effectLst/>
-              </a:rPr>
-              <a:t>hàm</a:t>
-            </a:r>
-            <a:r>
-              <a:rPr lang="en-US" baseline="0" dirty="0" smtClean="0">
-                <a:effectLst/>
-              </a:rPr>
-              <a:t> sync() </a:t>
-            </a:r>
-            <a:r>
-              <a:rPr lang="en-US" baseline="0" dirty="0" err="1" smtClean="0">
-                <a:effectLst/>
-              </a:rPr>
-              <a:t>có</a:t>
-            </a:r>
-            <a:r>
-              <a:rPr lang="en-US" baseline="0" dirty="0" smtClean="0">
-                <a:effectLst/>
-              </a:rPr>
-              <a:t> </a:t>
-            </a:r>
-            <a:r>
-              <a:rPr lang="en-US" baseline="0" dirty="0" err="1" smtClean="0">
-                <a:effectLst/>
-              </a:rPr>
-              <a:t>thể</a:t>
-            </a:r>
-            <a:r>
-              <a:rPr lang="en-US" baseline="0" dirty="0" smtClean="0">
-                <a:effectLst/>
-              </a:rPr>
-              <a:t> </a:t>
-            </a:r>
-            <a:r>
-              <a:rPr lang="en-US" baseline="0" dirty="0" err="1" smtClean="0">
-                <a:effectLst/>
-              </a:rPr>
-              <a:t>gây</a:t>
-            </a:r>
-            <a:r>
-              <a:rPr lang="en-US" baseline="0" dirty="0" smtClean="0">
-                <a:effectLst/>
-              </a:rPr>
-              <a:t> </a:t>
-            </a:r>
-            <a:r>
-              <a:rPr lang="en-US" baseline="0" dirty="0" err="1" smtClean="0">
-                <a:effectLst/>
-              </a:rPr>
-              <a:t>treo</a:t>
-            </a:r>
-            <a:r>
-              <a:rPr lang="en-US" baseline="0" dirty="0" smtClean="0">
-                <a:effectLst/>
-              </a:rPr>
-              <a:t> </a:t>
-            </a:r>
-            <a:r>
-              <a:rPr lang="en-US" baseline="0" dirty="0" err="1" smtClean="0">
-                <a:effectLst/>
-              </a:rPr>
-              <a:t>hoặc</a:t>
-            </a:r>
-            <a:r>
-              <a:rPr lang="en-US" baseline="0" dirty="0" smtClean="0">
-                <a:effectLst/>
-              </a:rPr>
-              <a:t> crash </a:t>
-            </a:r>
-            <a:r>
-              <a:rPr lang="en-US" baseline="0" dirty="0" err="1" smtClean="0">
-                <a:effectLst/>
-              </a:rPr>
-              <a:t>chương</a:t>
-            </a:r>
-            <a:r>
-              <a:rPr lang="en-US" baseline="0" dirty="0" smtClean="0">
-                <a:effectLst/>
-              </a:rPr>
-              <a:t> </a:t>
-            </a:r>
-            <a:r>
-              <a:rPr lang="en-US" baseline="0" dirty="0" err="1" smtClean="0">
-                <a:effectLst/>
-              </a:rPr>
-              <a:t>trình</a:t>
-            </a:r>
-            <a:r>
-              <a:rPr lang="en-US" baseline="0" dirty="0" smtClean="0">
-                <a:effectLst/>
-              </a:rPr>
-              <a:t> </a:t>
-            </a:r>
-            <a:r>
-              <a:rPr lang="en-US" baseline="0" dirty="0" err="1" smtClean="0">
-                <a:effectLst/>
-              </a:rPr>
-              <a:t>gọi</a:t>
-            </a:r>
-            <a:r>
-              <a:rPr lang="en-US" baseline="0" dirty="0" smtClean="0">
-                <a:effectLst/>
-              </a:rPr>
-              <a:t> </a:t>
-            </a:r>
-            <a:r>
-              <a:rPr lang="en-US" baseline="0" dirty="0" err="1" smtClean="0">
-                <a:effectLst/>
-              </a:rPr>
-              <a:t>nó</a:t>
-            </a:r>
-            <a:r>
-              <a:rPr lang="en-US" baseline="0" dirty="0" smtClean="0">
-                <a:effectLst/>
-              </a:rPr>
-              <a:t> </a:t>
-            </a:r>
-            <a:r>
-              <a:rPr lang="en-US" baseline="0" dirty="0" err="1" smtClean="0">
-                <a:effectLst/>
-              </a:rPr>
-              <a:t>nếu</a:t>
-            </a:r>
-            <a:r>
-              <a:rPr lang="en-US" baseline="0" dirty="0" smtClean="0">
-                <a:effectLst/>
-              </a:rPr>
-              <a:t> ở </a:t>
-            </a:r>
-            <a:r>
-              <a:rPr lang="en-US" baseline="0" dirty="0" err="1" smtClean="0">
-                <a:effectLst/>
-              </a:rPr>
-              <a:t>chương</a:t>
-            </a:r>
-            <a:r>
-              <a:rPr lang="en-US" baseline="0" dirty="0" smtClean="0">
-                <a:effectLst/>
-              </a:rPr>
-              <a:t> </a:t>
-            </a:r>
-            <a:r>
-              <a:rPr lang="en-US" baseline="0" dirty="0" err="1" smtClean="0">
-                <a:effectLst/>
-              </a:rPr>
-              <a:t>trình</a:t>
-            </a:r>
-            <a:r>
-              <a:rPr lang="en-US" baseline="0" dirty="0" smtClean="0">
-                <a:effectLst/>
-              </a:rPr>
-              <a:t> </a:t>
-            </a:r>
-            <a:r>
-              <a:rPr lang="en-US" baseline="0" dirty="0" err="1" smtClean="0">
-                <a:effectLst/>
-              </a:rPr>
-              <a:t>khác</a:t>
-            </a:r>
-            <a:r>
-              <a:rPr lang="en-US" baseline="0" dirty="0" smtClean="0">
-                <a:effectLst/>
-              </a:rPr>
-              <a:t> </a:t>
-            </a:r>
-            <a:r>
-              <a:rPr lang="en-US" baseline="0" dirty="0" err="1" smtClean="0">
-                <a:effectLst/>
-              </a:rPr>
-              <a:t>ghi</a:t>
-            </a:r>
-            <a:r>
-              <a:rPr lang="en-US" baseline="0" dirty="0" smtClean="0">
-                <a:effectLst/>
-              </a:rPr>
-              <a:t> </a:t>
-            </a:r>
-            <a:r>
-              <a:rPr lang="en-US" baseline="0" dirty="0" err="1" smtClean="0">
-                <a:effectLst/>
-              </a:rPr>
-              <a:t>quá</a:t>
-            </a:r>
-            <a:r>
-              <a:rPr lang="en-US" baseline="0" dirty="0" smtClean="0">
-                <a:effectLst/>
-              </a:rPr>
-              <a:t> </a:t>
-            </a:r>
-            <a:r>
-              <a:rPr lang="en-US" baseline="0" dirty="0" err="1" smtClean="0">
-                <a:effectLst/>
-              </a:rPr>
-              <a:t>nhiều</a:t>
-            </a:r>
-            <a:r>
-              <a:rPr lang="en-US" baseline="0" dirty="0" smtClean="0">
-                <a:effectLst/>
-              </a:rPr>
-              <a:t> data </a:t>
-            </a:r>
-            <a:r>
-              <a:rPr lang="en-US" baseline="0" dirty="0" err="1" smtClean="0">
-                <a:effectLst/>
-              </a:rPr>
-              <a:t>xuống</a:t>
-            </a:r>
-            <a:r>
-              <a:rPr lang="en-US" baseline="0" dirty="0" smtClean="0">
-                <a:effectLst/>
-              </a:rPr>
-              <a:t> ổ </a:t>
-            </a:r>
-            <a:r>
-              <a:rPr lang="en-US" baseline="0" dirty="0" err="1" smtClean="0">
-                <a:effectLst/>
-              </a:rPr>
-              <a:t>cứng</a:t>
-            </a:r>
-            <a:r>
-              <a:rPr lang="en-US" baseline="0" dirty="0" smtClean="0">
-                <a:effectLst/>
-              </a:rPr>
-              <a:t>.</a:t>
-            </a:r>
-            <a:endParaRPr lang="en-US" dirty="0" smtClean="0">
-              <a:effectLst/>
-            </a:endParaRPr>
-          </a:p>
-          <a:p>
-            <a:pPr lvl="1"/>
-            <a:r>
-              <a:rPr lang="en-US" dirty="0" smtClean="0">
-                <a:effectLst/>
-              </a:rPr>
-              <a:t>int </a:t>
-            </a:r>
-            <a:r>
-              <a:rPr lang="en-US" dirty="0" err="1" smtClean="0">
-                <a:effectLst/>
-              </a:rPr>
-              <a:t>syncfs</a:t>
-            </a:r>
-            <a:r>
-              <a:rPr lang="en-US" dirty="0" smtClean="0">
-                <a:effectLst/>
-              </a:rPr>
-              <a:t>(int fd):</a:t>
-            </a:r>
-            <a:r>
-              <a:rPr lang="en-US" baseline="0" dirty="0" smtClean="0">
-                <a:effectLst/>
-              </a:rPr>
-              <a:t> </a:t>
-            </a:r>
-            <a:r>
-              <a:rPr lang="en-US" baseline="0" dirty="0" err="1" smtClean="0">
-                <a:effectLst/>
-              </a:rPr>
-              <a:t>Chỉ</a:t>
-            </a:r>
-            <a:r>
-              <a:rPr lang="en-US" baseline="0" dirty="0" smtClean="0">
-                <a:effectLst/>
-              </a:rPr>
-              <a:t> sync cho </a:t>
-            </a:r>
-            <a:r>
-              <a:rPr lang="en-US" baseline="0" dirty="0" err="1" smtClean="0">
-                <a:effectLst/>
-              </a:rPr>
-              <a:t>riêng</a:t>
-            </a:r>
-            <a:r>
-              <a:rPr lang="en-US" baseline="0" dirty="0" smtClean="0">
-                <a:effectLst/>
-              </a:rPr>
-              <a:t> 1 file</a:t>
-            </a:r>
-            <a:endParaRPr lang="en-US" dirty="0" smtClean="0">
-              <a:effectLst/>
-            </a:endParaRPr>
-          </a:p>
-          <a:p>
-            <a:r>
-              <a:rPr lang="en-US" dirty="0" err="1" smtClean="0">
-                <a:effectLst/>
-              </a:rPr>
-              <a:t>Những</a:t>
-            </a:r>
-            <a:r>
-              <a:rPr lang="en-US" baseline="0" dirty="0" smtClean="0">
-                <a:effectLst/>
-              </a:rPr>
-              <a:t> </a:t>
-            </a:r>
-            <a:r>
-              <a:rPr lang="en-US" baseline="0" dirty="0" err="1" smtClean="0">
-                <a:effectLst/>
-              </a:rPr>
-              <a:t>lưu</a:t>
-            </a:r>
-            <a:r>
-              <a:rPr lang="en-US" baseline="0" dirty="0" smtClean="0">
-                <a:effectLst/>
-              </a:rPr>
-              <a:t> ý của </a:t>
-            </a:r>
-            <a:r>
-              <a:rPr lang="en-US" baseline="0" dirty="0" err="1" smtClean="0">
-                <a:effectLst/>
-              </a:rPr>
-              <a:t>hàm</a:t>
-            </a:r>
-            <a:r>
-              <a:rPr lang="en-US" dirty="0" smtClean="0">
-                <a:effectLst/>
-              </a:rPr>
-              <a:t> close()</a:t>
-            </a:r>
-          </a:p>
-          <a:p>
-            <a:pPr lvl="1"/>
-            <a:r>
-              <a:rPr lang="en-US" dirty="0" smtClean="0">
-                <a:effectLst/>
-              </a:rPr>
-              <a:t>Free file pointer</a:t>
-            </a:r>
-          </a:p>
-          <a:p>
-            <a:pPr lvl="1"/>
-            <a:r>
-              <a:rPr lang="vi-VN" dirty="0" smtClean="0">
-                <a:effectLst/>
-              </a:rPr>
-              <a:t>Sẽ sync data trước khi close</a:t>
-            </a:r>
-            <a:endParaRPr lang="en-US" dirty="0" smtClean="0">
-              <a:effectLst/>
-            </a:endParaRPr>
-          </a:p>
-          <a:p>
-            <a:pPr lvl="1"/>
-            <a:r>
-              <a:rPr lang="en-US" dirty="0" err="1" smtClean="0">
-                <a:effectLst/>
-              </a:rPr>
-              <a:t>Xóa</a:t>
-            </a:r>
-            <a:r>
-              <a:rPr lang="en-US" dirty="0" smtClean="0">
-                <a:effectLst/>
-              </a:rPr>
-              <a:t> </a:t>
-            </a:r>
-            <a:r>
-              <a:rPr lang="en-US" dirty="0" err="1" smtClean="0">
-                <a:effectLst/>
-              </a:rPr>
-              <a:t>hàng</a:t>
-            </a:r>
-            <a:r>
-              <a:rPr lang="en-US" dirty="0" smtClean="0">
-                <a:effectLst/>
-              </a:rPr>
-              <a:t> </a:t>
-            </a:r>
-            <a:r>
-              <a:rPr lang="en-US" dirty="0" err="1" smtClean="0">
-                <a:effectLst/>
-              </a:rPr>
-              <a:t>chứa</a:t>
-            </a:r>
-            <a:r>
-              <a:rPr lang="en-US" dirty="0" smtClean="0">
-                <a:effectLst/>
-              </a:rPr>
-              <a:t> file fd đó trong file table của process</a:t>
-            </a:r>
-          </a:p>
-          <a:p>
-            <a:pPr lvl="1"/>
-            <a:r>
-              <a:rPr lang="en-US" dirty="0" err="1" smtClean="0">
-                <a:effectLst/>
-              </a:rPr>
-              <a:t>Khi</a:t>
-            </a:r>
-            <a:r>
-              <a:rPr lang="en-US" dirty="0" smtClean="0">
-                <a:effectLst/>
-              </a:rPr>
-              <a:t> process </a:t>
-            </a:r>
-            <a:r>
-              <a:rPr lang="en-US" dirty="0" err="1" smtClean="0">
-                <a:effectLst/>
-              </a:rPr>
-              <a:t>kết</a:t>
-            </a:r>
-            <a:r>
-              <a:rPr lang="en-US" dirty="0" smtClean="0">
-                <a:effectLst/>
-              </a:rPr>
-              <a:t> </a:t>
-            </a:r>
-            <a:r>
-              <a:rPr lang="en-US" dirty="0" err="1" smtClean="0">
-                <a:effectLst/>
-              </a:rPr>
-              <a:t>thúc</a:t>
-            </a:r>
-            <a:r>
-              <a:rPr lang="en-US" dirty="0" smtClean="0">
-                <a:effectLst/>
-              </a:rPr>
-              <a:t> thông qua </a:t>
-            </a:r>
-            <a:r>
-              <a:rPr lang="en-US" dirty="0" err="1" smtClean="0">
-                <a:effectLst/>
-              </a:rPr>
-              <a:t>gọi</a:t>
-            </a:r>
-            <a:r>
-              <a:rPr lang="en-US" dirty="0" smtClean="0">
-                <a:effectLst/>
-              </a:rPr>
-              <a:t> </a:t>
-            </a:r>
-            <a:r>
-              <a:rPr lang="en-US" dirty="0" err="1" smtClean="0">
-                <a:effectLst/>
-              </a:rPr>
-              <a:t>hàm</a:t>
-            </a:r>
-            <a:r>
-              <a:rPr lang="en-US" dirty="0" smtClean="0">
-                <a:effectLst/>
-              </a:rPr>
-              <a:t> exit() </a:t>
-            </a:r>
-            <a:r>
-              <a:rPr lang="en-US" dirty="0" err="1" smtClean="0">
-                <a:effectLst/>
-              </a:rPr>
-              <a:t>hoặc</a:t>
-            </a:r>
-            <a:r>
-              <a:rPr lang="en-US" dirty="0" smtClean="0">
-                <a:effectLst/>
-              </a:rPr>
-              <a:t> return trong </a:t>
-            </a:r>
-            <a:r>
-              <a:rPr lang="en-US" dirty="0" err="1" smtClean="0">
-                <a:effectLst/>
-              </a:rPr>
-              <a:t>hàm</a:t>
-            </a:r>
-            <a:r>
-              <a:rPr lang="en-US" dirty="0" smtClean="0">
-                <a:effectLst/>
-              </a:rPr>
-              <a:t> main </a:t>
-            </a:r>
-            <a:r>
-              <a:rPr lang="en-US" dirty="0" err="1" smtClean="0">
-                <a:effectLst/>
-              </a:rPr>
-              <a:t>thì</a:t>
-            </a:r>
-            <a:r>
-              <a:rPr lang="en-US" dirty="0" smtClean="0">
-                <a:effectLst/>
-              </a:rPr>
-              <a:t> OS sẽ </a:t>
-            </a:r>
-            <a:r>
-              <a:rPr lang="en-US" dirty="0" err="1" smtClean="0">
-                <a:effectLst/>
-              </a:rPr>
-              <a:t>tự</a:t>
-            </a:r>
-            <a:r>
-              <a:rPr lang="en-US" dirty="0" smtClean="0">
-                <a:effectLst/>
-              </a:rPr>
-              <a:t> </a:t>
-            </a:r>
-            <a:r>
-              <a:rPr lang="en-US" dirty="0" err="1" smtClean="0">
-                <a:effectLst/>
-              </a:rPr>
-              <a:t>động</a:t>
-            </a:r>
-            <a:r>
-              <a:rPr lang="en-US" dirty="0" smtClean="0">
-                <a:effectLst/>
-              </a:rPr>
-              <a:t> call close() cho </a:t>
-            </a:r>
-            <a:r>
-              <a:rPr lang="en-US" dirty="0" err="1" smtClean="0">
-                <a:effectLst/>
-              </a:rPr>
-              <a:t>tất</a:t>
-            </a:r>
-            <a:r>
-              <a:rPr lang="en-US" dirty="0" smtClean="0">
-                <a:effectLst/>
-              </a:rPr>
-              <a:t> </a:t>
-            </a:r>
-            <a:r>
-              <a:rPr lang="en-US" dirty="0" err="1" smtClean="0">
-                <a:effectLst/>
-              </a:rPr>
-              <a:t>cả</a:t>
-            </a:r>
-            <a:r>
-              <a:rPr lang="en-US" dirty="0" smtClean="0">
-                <a:effectLst/>
-              </a:rPr>
-              <a:t> các file có trong file table.</a:t>
-            </a:r>
-          </a:p>
-          <a:p>
-            <a:pPr lvl="0"/>
-            <a:r>
-              <a:rPr lang="en-US" dirty="0" err="1" smtClean="0">
-                <a:effectLst/>
-              </a:rPr>
-              <a:t>Phần</a:t>
-            </a:r>
-            <a:r>
-              <a:rPr lang="en-US" baseline="0" dirty="0" smtClean="0">
-                <a:effectLst/>
-              </a:rPr>
-              <a:t> implement file system trong source code của kernel </a:t>
-            </a:r>
-            <a:r>
-              <a:rPr lang="en-US" baseline="0" dirty="0" err="1" smtClean="0">
-                <a:effectLst/>
-              </a:rPr>
-              <a:t>rất</a:t>
-            </a:r>
-            <a:r>
-              <a:rPr lang="en-US" baseline="0" dirty="0" smtClean="0">
-                <a:effectLst/>
-              </a:rPr>
-              <a:t> </a:t>
-            </a:r>
-            <a:r>
-              <a:rPr lang="en-US" baseline="0" dirty="0" err="1" smtClean="0">
-                <a:effectLst/>
-              </a:rPr>
-              <a:t>phức</a:t>
-            </a:r>
-            <a:r>
-              <a:rPr lang="en-US" baseline="0" dirty="0" smtClean="0">
-                <a:effectLst/>
-              </a:rPr>
-              <a:t> </a:t>
-            </a:r>
-            <a:r>
-              <a:rPr lang="en-US" baseline="0" dirty="0" err="1" smtClean="0">
-                <a:effectLst/>
-              </a:rPr>
-              <a:t>tạp</a:t>
-            </a:r>
-            <a:r>
-              <a:rPr lang="en-US" baseline="0" dirty="0" smtClean="0">
-                <a:effectLst/>
-              </a:rPr>
-              <a:t>.</a:t>
-            </a:r>
-          </a:p>
-          <a:p>
-            <a:pPr lvl="0"/>
-            <a:r>
-              <a:rPr lang="en-US" baseline="0" dirty="0" err="1" smtClean="0">
-                <a:effectLst/>
-              </a:rPr>
-              <a:t>Ví</a:t>
-            </a:r>
-            <a:r>
-              <a:rPr lang="en-US" baseline="0" dirty="0" smtClean="0">
-                <a:effectLst/>
-              </a:rPr>
-              <a:t> </a:t>
-            </a:r>
-            <a:r>
-              <a:rPr lang="en-US" baseline="0" dirty="0" err="1" smtClean="0">
-                <a:effectLst/>
-              </a:rPr>
-              <a:t>dụ</a:t>
-            </a:r>
-            <a:r>
-              <a:rPr lang="en-US" baseline="0" dirty="0" smtClean="0">
-                <a:effectLst/>
-              </a:rPr>
-              <a:t> </a:t>
-            </a:r>
-            <a:r>
-              <a:rPr lang="en-US" baseline="0" dirty="0" err="1" smtClean="0">
-                <a:effectLst/>
-              </a:rPr>
-              <a:t>đọc</a:t>
-            </a:r>
-            <a:r>
-              <a:rPr lang="en-US" baseline="0" dirty="0" smtClean="0">
-                <a:effectLst/>
-              </a:rPr>
-              <a:t> </a:t>
-            </a:r>
-            <a:r>
-              <a:rPr lang="en-US" baseline="0" dirty="0" err="1" smtClean="0">
-                <a:effectLst/>
-              </a:rPr>
-              <a:t>ghi</a:t>
-            </a:r>
-            <a:r>
-              <a:rPr lang="en-US" baseline="0" dirty="0" smtClean="0">
-                <a:effectLst/>
-              </a:rPr>
-              <a:t> 1 file </a:t>
-            </a:r>
-            <a:r>
-              <a:rPr lang="en-US" baseline="0" dirty="0" err="1" smtClean="0">
-                <a:effectLst/>
-              </a:rPr>
-              <a:t>đơn</a:t>
-            </a:r>
-            <a:r>
-              <a:rPr lang="en-US" baseline="0" dirty="0" smtClean="0">
-                <a:effectLst/>
-              </a:rPr>
-              <a:t> </a:t>
-            </a:r>
-            <a:r>
-              <a:rPr lang="en-US" baseline="0" dirty="0" err="1" smtClean="0">
-                <a:effectLst/>
-              </a:rPr>
-              <a:t>giản</a:t>
-            </a:r>
-            <a:endParaRPr lang="en-US" dirty="0" smtClean="0">
-              <a:effectLst/>
-            </a:endParaRPr>
+              <a:rPr lang="vi-VN" dirty="0" smtClean="0"/>
+              <a:t>Đa số các thiết bị lưu trữ được thiết kế theo dạng block. Mỗi lần đọc thông thường sẽ đọc được ít nhất là 512 bytes. Nguyên nhân là do giới hạn của phần cứng, ví dụ ổ cứng cần 1 khoảng thời gian tối thiểu để quay và dừng lại, do đó nó không thể đọc chỉ 1 byte mà thông thường sẽ đọc được tối thiểu 512 bytes.</a:t>
+            </a:r>
+            <a:endParaRPr lang="en-US" dirty="0"/>
           </a:p>
         </p:txBody>
       </p:sp>
@@ -3475,7 +3463,7 @@
     </p:spTree>
     <p:extLst>
       <p:ext uri="{BB962C8B-B14F-4D97-AF65-F5344CB8AC3E}">
-        <p14:creationId xmlns:p14="http://schemas.microsoft.com/office/powerpoint/2010/main" val="92379664"/>
+        <p14:creationId xmlns:p14="http://schemas.microsoft.com/office/powerpoint/2010/main" val="2696501979"/>
       </p:ext>
     </p:extLst>
   </p:cSld>
@@ -4653,7 +4641,7 @@
           <a:p>
             <a:fld id="{7F3FBE28-58BC-4486-9A8E-6C1F0E326EAB}" type="datetime1">
               <a:rPr lang="en-US" smtClean="0"/>
-              <a:t>5/26/2019</a:t>
+              <a:t>7/5/2020</a:t>
             </a:fld>
             <a:endParaRPr lang="en-US"/>
           </a:p>
@@ -4839,7 +4827,7 @@
           <a:p>
             <a:fld id="{AE5B28C3-1882-4E84-9C82-23BA74B52008}" type="datetime1">
               <a:rPr lang="en-US" smtClean="0"/>
-              <a:t>5/26/2019</a:t>
+              <a:t>7/5/2020</a:t>
             </a:fld>
             <a:endParaRPr lang="en-US"/>
           </a:p>
@@ -5023,7 +5011,7 @@
           <a:p>
             <a:fld id="{945B1917-4DD8-41D3-93A0-974B9DFBBCBF}" type="datetime1">
               <a:rPr lang="en-US" smtClean="0"/>
-              <a:t>5/26/2019</a:t>
+              <a:t>7/5/2020</a:t>
             </a:fld>
             <a:endParaRPr lang="en-US"/>
           </a:p>
@@ -5242,7 +5230,7 @@
           <a:p>
             <a:fld id="{403BB6E5-7AA4-4C0D-BF97-BDC69083DBC9}" type="datetime1">
               <a:rPr lang="en-US" smtClean="0"/>
-              <a:t>5/26/2019</a:t>
+              <a:t>7/5/2020</a:t>
             </a:fld>
             <a:endParaRPr lang="en-US"/>
           </a:p>
@@ -5499,7 +5487,7 @@
           <a:p>
             <a:fld id="{5E5BBB4B-2F94-4F11-9AD4-28D0EBD25231}" type="datetime1">
               <a:rPr lang="en-US" smtClean="0"/>
-              <a:t>5/26/2019</a:t>
+              <a:t>7/5/2020</a:t>
             </a:fld>
             <a:endParaRPr lang="en-US"/>
           </a:p>
@@ -5798,7 +5786,7 @@
           <a:p>
             <a:fld id="{B79A5478-161F-4B28-93E5-DE9BF6B2D5E2}" type="datetime1">
               <a:rPr lang="en-US" smtClean="0"/>
-              <a:t>5/26/2019</a:t>
+              <a:t>7/5/2020</a:t>
             </a:fld>
             <a:endParaRPr lang="en-US"/>
           </a:p>
@@ -6236,7 +6224,7 @@
           <a:p>
             <a:fld id="{30E38055-F1C9-4AC4-B9E3-476EF82AD4CC}" type="datetime1">
               <a:rPr lang="en-US" smtClean="0"/>
-              <a:t>5/26/2019</a:t>
+              <a:t>7/5/2020</a:t>
             </a:fld>
             <a:endParaRPr lang="en-US"/>
           </a:p>
@@ -6365,7 +6353,7 @@
           <a:p>
             <a:fld id="{39D9E8B6-A1D4-4191-8D54-A8260B6A1972}" type="datetime1">
               <a:rPr lang="en-US" smtClean="0"/>
-              <a:t>5/26/2019</a:t>
+              <a:t>7/5/2020</a:t>
             </a:fld>
             <a:endParaRPr lang="en-US"/>
           </a:p>
@@ -6471,7 +6459,7 @@
           <a:p>
             <a:fld id="{924C1980-AF69-46D2-A9FE-14E6E6C939BE}" type="datetime1">
               <a:rPr lang="en-US" smtClean="0"/>
-              <a:t>5/26/2019</a:t>
+              <a:t>7/5/2020</a:t>
             </a:fld>
             <a:endParaRPr lang="en-US"/>
           </a:p>
@@ -6742,7 +6730,7 @@
           <a:p>
             <a:fld id="{AAA33C03-0194-466F-B287-AA772F5566B9}" type="datetime1">
               <a:rPr lang="en-US" smtClean="0"/>
-              <a:t>5/26/2019</a:t>
+              <a:t>7/5/2020</a:t>
             </a:fld>
             <a:endParaRPr lang="en-US"/>
           </a:p>
@@ -7008,7 +6996,7 @@
           <a:p>
             <a:fld id="{D31FF56F-D32E-44F3-A5D6-9F4533FAF9BD}" type="datetime1">
               <a:rPr lang="en-US" smtClean="0"/>
-              <a:t>5/26/2019</a:t>
+              <a:t>7/5/2020</a:t>
             </a:fld>
             <a:endParaRPr lang="en-US"/>
           </a:p>
@@ -7255,7 +7243,7 @@
           <a:p>
             <a:fld id="{0289C729-EC9D-4075-8A00-DCB3B3221814}" type="datetime1">
               <a:rPr lang="en-US" smtClean="0"/>
-              <a:t>5/26/2019</a:t>
+              <a:t>7/5/2020</a:t>
             </a:fld>
             <a:endParaRPr lang="en-US"/>
           </a:p>
@@ -7839,56 +7827,78 @@
       </p:grpSpPr>
       <p:sp>
         <p:nvSpPr>
-          <p:cNvPr id="8" name="Text Placeholder 7"/>
-          <p:cNvSpPr>
-            <a:spLocks noGrp="1"/>
-          </p:cNvSpPr>
-          <p:nvPr>
-            <p:ph type="body" sz="half" idx="2"/>
-          </p:nvPr>
-        </p:nvSpPr>
-        <p:spPr/>
-        <p:txBody>
-          <a:bodyPr>
-            <a:normAutofit fontScale="92500"/>
-          </a:bodyPr>
-          <a:lstStyle/>
-          <a:p>
-            <a:r>
-              <a:rPr lang="en-US" dirty="0" smtClean="0"/>
-              <a:t>Các </a:t>
-            </a:r>
-            <a:r>
-              <a:rPr lang="en-US" dirty="0" err="1" smtClean="0"/>
-              <a:t>hàm</a:t>
-            </a:r>
-            <a:r>
-              <a:rPr lang="en-US" dirty="0" smtClean="0"/>
-              <a:t> </a:t>
-            </a:r>
-            <a:r>
-              <a:rPr lang="en-US" dirty="0" err="1" smtClean="0"/>
-              <a:t>cơ</a:t>
-            </a:r>
-            <a:r>
-              <a:rPr lang="en-US" dirty="0" smtClean="0"/>
-              <a:t> </a:t>
-            </a:r>
-            <a:r>
-              <a:rPr lang="en-US" dirty="0" err="1" smtClean="0"/>
-              <a:t>bản</a:t>
-            </a:r>
-            <a:r>
-              <a:rPr lang="en-US" dirty="0" smtClean="0"/>
-              <a:t> </a:t>
-            </a:r>
-            <a:r>
-              <a:rPr lang="en-US" dirty="0" err="1" smtClean="0"/>
-              <a:t>để</a:t>
-            </a:r>
-            <a:r>
-              <a:rPr lang="en-US" dirty="0" smtClean="0"/>
-              <a:t> tương tác với file</a:t>
+          <p:cNvPr id="7" name="Title 6"/>
+          <p:cNvSpPr>
+            <a:spLocks noGrp="1"/>
+          </p:cNvSpPr>
+          <p:nvPr>
+            <p:ph type="title"/>
+          </p:nvPr>
+        </p:nvSpPr>
+        <p:spPr/>
+        <p:txBody>
+          <a:bodyPr/>
+          <a:lstStyle/>
+          <a:p>
+            <a:r>
+              <a:rPr lang="en-US" dirty="0"/>
+              <a:t>File descriptor</a:t>
+            </a:r>
+          </a:p>
+        </p:txBody>
+      </p:sp>
+      <p:sp>
+        <p:nvSpPr>
+          <p:cNvPr id="8" name="Content Placeholder 7"/>
+          <p:cNvSpPr>
+            <a:spLocks noGrp="1"/>
+          </p:cNvSpPr>
+          <p:nvPr>
+            <p:ph idx="1"/>
+          </p:nvPr>
+        </p:nvSpPr>
+        <p:spPr/>
+        <p:txBody>
+          <a:bodyPr/>
+          <a:lstStyle/>
+          <a:p>
+            <a:r>
+              <a:rPr lang="en-US" dirty="0"/>
+              <a:t>include/</a:t>
+            </a:r>
+            <a:r>
+              <a:rPr lang="en-US" dirty="0" err="1"/>
+              <a:t>linux</a:t>
+            </a:r>
+            <a:r>
+              <a:rPr lang="en-US" dirty="0"/>
+              <a:t>/</a:t>
+            </a:r>
+            <a:r>
+              <a:rPr lang="en-US" dirty="0" err="1"/>
+              <a:t>fs.h</a:t>
+            </a:r>
+            <a:r>
+              <a:rPr lang="en-US" dirty="0"/>
+              <a:t>: </a:t>
+            </a:r>
+            <a:r>
+              <a:rPr lang="en-US" dirty="0" err="1"/>
+              <a:t>struct</a:t>
+            </a:r>
+            <a:r>
+              <a:rPr lang="en-US" dirty="0"/>
+              <a:t> </a:t>
+            </a:r>
+            <a:r>
+              <a:rPr lang="en-US" dirty="0" smtClean="0"/>
+              <a:t>file</a:t>
+            </a:r>
+          </a:p>
+          <a:p>
+            <a:r>
+              <a:rPr lang="vi-VN" dirty="0"/>
+              <a:t>Là struct chứa thông tin về file và các con trỏ trỏ đến các operation của file như read/write.</a:t>
             </a:r>
             <a:endParaRPr lang="en-US" dirty="0"/>
           </a:p>
@@ -7940,33 +7950,10 @@
           </a:p>
         </p:txBody>
       </p:sp>
-      <p:pic>
-        <p:nvPicPr>
-          <p:cNvPr id="3" name="Picture Placeholder 2"/>
-          <p:cNvPicPr>
-            <a:picLocks noGrp="1" noChangeAspect="1"/>
-          </p:cNvPicPr>
-          <p:nvPr>
-            <p:ph type="pic" idx="1"/>
-          </p:nvPr>
-        </p:nvPicPr>
-        <p:blipFill>
-          <a:blip r:embed="rId2"/>
-          <a:srcRect t="3723" b="3723"/>
-          <a:stretch>
-            <a:fillRect/>
-          </a:stretch>
-        </p:blipFill>
-        <p:spPr>
-          <a:prstGeom prst="rect">
-            <a:avLst/>
-          </a:prstGeom>
-        </p:spPr>
-      </p:pic>
     </p:spTree>
     <p:extLst>
       <p:ext uri="{BB962C8B-B14F-4D97-AF65-F5344CB8AC3E}">
-        <p14:creationId xmlns:p14="http://schemas.microsoft.com/office/powerpoint/2010/main" val="401692714"/>
+        <p14:creationId xmlns:p14="http://schemas.microsoft.com/office/powerpoint/2010/main" val="3258441416"/>
       </p:ext>
     </p:extLst>
   </p:cSld>
@@ -7995,7 +7982,7 @@
       </p:grpSpPr>
       <p:sp>
         <p:nvSpPr>
-          <p:cNvPr id="6" name="Title 5"/>
+          <p:cNvPr id="2" name="Title 1"/>
           <p:cNvSpPr>
             <a:spLocks noGrp="1"/>
           </p:cNvSpPr>
@@ -8009,15 +7996,15 @@
           <a:lstStyle/>
           <a:p>
             <a:r>
-              <a:rPr lang="vi-VN" sz="3200" dirty="0"/>
-              <a:t>Các hàm đọc ghi dữ liệu trong file</a:t>
-            </a:r>
-          </a:p>
-        </p:txBody>
-      </p:sp>
-      <p:sp>
-        <p:nvSpPr>
-          <p:cNvPr id="7" name="Content Placeholder 6"/>
+              <a:rPr lang="en-US" dirty="0"/>
+              <a:t>Block device</a:t>
+            </a:r>
+          </a:p>
+        </p:txBody>
+      </p:sp>
+      <p:sp>
+        <p:nvSpPr>
+          <p:cNvPr id="3" name="Content Placeholder 2"/>
           <p:cNvSpPr>
             <a:spLocks noGrp="1"/>
           </p:cNvSpPr>
@@ -8032,114 +8019,23 @@
           <a:p>
             <a:r>
               <a:rPr lang="vi-VN" dirty="0"/>
-              <a:t>Các hàm cơ bản</a:t>
-            </a:r>
-            <a:r>
-              <a:rPr lang="en-US" dirty="0" smtClean="0"/>
-              <a:t>:</a:t>
-            </a:r>
-          </a:p>
-          <a:p>
-            <a:pPr lvl="1"/>
-            <a:r>
-              <a:rPr lang="en-US" dirty="0"/>
-              <a:t>int open(const char *pathname, int flags</a:t>
-            </a:r>
-            <a:r>
-              <a:rPr lang="en-US" dirty="0" smtClean="0"/>
-              <a:t>).</a:t>
-            </a:r>
-          </a:p>
-          <a:p>
-            <a:pPr lvl="1"/>
-            <a:r>
-              <a:rPr lang="fr-FR" dirty="0"/>
-              <a:t>int close(int fd</a:t>
-            </a:r>
-            <a:r>
-              <a:rPr lang="fr-FR" dirty="0" smtClean="0"/>
-              <a:t>).</a:t>
-            </a:r>
-          </a:p>
-          <a:p>
-            <a:pPr lvl="1"/>
-            <a:r>
-              <a:rPr lang="en-US" dirty="0"/>
-              <a:t>ssize_t read(int fd, void *buf, size_t count</a:t>
-            </a:r>
-            <a:r>
-              <a:rPr lang="en-US" dirty="0" smtClean="0"/>
-              <a:t>).</a:t>
-            </a:r>
-          </a:p>
-          <a:p>
-            <a:pPr lvl="1"/>
-            <a:r>
-              <a:rPr lang="en-US" dirty="0"/>
-              <a:t>ssize_t write(int fd, const void *buf, size_t count</a:t>
-            </a:r>
-            <a:r>
-              <a:rPr lang="en-US" dirty="0" smtClean="0"/>
-              <a:t>)</a:t>
-            </a:r>
-          </a:p>
-          <a:p>
-            <a:pPr lvl="1"/>
-            <a:r>
-              <a:rPr lang="en-US" dirty="0" err="1"/>
-              <a:t>off_t</a:t>
-            </a:r>
-            <a:r>
-              <a:rPr lang="en-US" dirty="0"/>
-              <a:t> </a:t>
-            </a:r>
-            <a:r>
-              <a:rPr lang="en-US" dirty="0" err="1"/>
-              <a:t>lseek</a:t>
-            </a:r>
-            <a:r>
-              <a:rPr lang="en-US" dirty="0"/>
-              <a:t>(int fd, </a:t>
-            </a:r>
-            <a:r>
-              <a:rPr lang="en-US" dirty="0" err="1"/>
-              <a:t>off_t</a:t>
-            </a:r>
-            <a:r>
-              <a:rPr lang="en-US" dirty="0"/>
-              <a:t> offset, int whence</a:t>
-            </a:r>
-            <a:r>
-              <a:rPr lang="en-US" dirty="0" smtClean="0"/>
-              <a:t>)</a:t>
-            </a:r>
-          </a:p>
-          <a:p>
-            <a:pPr lvl="1"/>
-            <a:r>
-              <a:rPr lang="fr-FR" dirty="0" err="1"/>
-              <a:t>void</a:t>
-            </a:r>
-            <a:r>
-              <a:rPr lang="fr-FR" dirty="0"/>
-              <a:t> </a:t>
-            </a:r>
-            <a:r>
-              <a:rPr lang="fr-FR" dirty="0" err="1"/>
-              <a:t>sync</a:t>
-            </a:r>
-            <a:r>
-              <a:rPr lang="fr-FR" dirty="0"/>
-              <a:t>(</a:t>
-            </a:r>
-            <a:r>
-              <a:rPr lang="fr-FR" dirty="0" err="1"/>
-              <a:t>void</a:t>
-            </a:r>
-            <a:r>
-              <a:rPr lang="fr-FR" dirty="0" smtClean="0"/>
-              <a:t>).</a:t>
-            </a:r>
+              <a:t>Các thiết bị lưu trữ đa số thuộc loại block </a:t>
+            </a:r>
+            <a:r>
+              <a:rPr lang="vi-VN" dirty="0" smtClean="0"/>
+              <a:t>device</a:t>
+            </a:r>
+            <a:r>
+              <a:rPr lang="en-US" dirty="0" smtClean="0"/>
+              <a:t>.</a:t>
+            </a:r>
+          </a:p>
+          <a:p>
+            <a:r>
+              <a:rPr lang="vi-VN" dirty="0"/>
+              <a:t>Các thiết bị block device thường quy định kích thước tối thiểu cho mỗi lần đọc.</a:t>
+            </a:r>
+            <a:endParaRPr lang="en-US" dirty="0"/>
           </a:p>
         </p:txBody>
       </p:sp>
@@ -8192,7 +8088,7 @@
     </p:spTree>
     <p:extLst>
       <p:ext uri="{BB962C8B-B14F-4D97-AF65-F5344CB8AC3E}">
-        <p14:creationId xmlns:p14="http://schemas.microsoft.com/office/powerpoint/2010/main" val="2040925911"/>
+        <p14:creationId xmlns:p14="http://schemas.microsoft.com/office/powerpoint/2010/main" val="4113445192"/>
       </p:ext>
     </p:extLst>
   </p:cSld>
@@ -11203,9 +11099,112 @@
           <a:chExt cx="0" cy="0"/>
         </a:xfrm>
       </p:grpSpPr>
+      <p:sp>
+        <p:nvSpPr>
+          <p:cNvPr id="8" name="Text Placeholder 7"/>
+          <p:cNvSpPr>
+            <a:spLocks noGrp="1"/>
+          </p:cNvSpPr>
+          <p:nvPr>
+            <p:ph type="body" sz="half" idx="2"/>
+          </p:nvPr>
+        </p:nvSpPr>
+        <p:spPr/>
+        <p:txBody>
+          <a:bodyPr>
+            <a:normAutofit fontScale="92500"/>
+          </a:bodyPr>
+          <a:lstStyle/>
+          <a:p>
+            <a:r>
+              <a:rPr lang="en-US" dirty="0" smtClean="0"/>
+              <a:t>Các </a:t>
+            </a:r>
+            <a:r>
+              <a:rPr lang="en-US" dirty="0" err="1" smtClean="0"/>
+              <a:t>hàm</a:t>
+            </a:r>
+            <a:r>
+              <a:rPr lang="en-US" dirty="0" smtClean="0"/>
+              <a:t> </a:t>
+            </a:r>
+            <a:r>
+              <a:rPr lang="en-US" dirty="0" err="1" smtClean="0"/>
+              <a:t>cơ</a:t>
+            </a:r>
+            <a:r>
+              <a:rPr lang="en-US" dirty="0" smtClean="0"/>
+              <a:t> </a:t>
+            </a:r>
+            <a:r>
+              <a:rPr lang="en-US" dirty="0" err="1" smtClean="0"/>
+              <a:t>bản</a:t>
+            </a:r>
+            <a:r>
+              <a:rPr lang="en-US" dirty="0" smtClean="0"/>
+              <a:t> </a:t>
+            </a:r>
+            <a:r>
+              <a:rPr lang="en-US" dirty="0" err="1" smtClean="0"/>
+              <a:t>để</a:t>
+            </a:r>
+            <a:r>
+              <a:rPr lang="en-US" dirty="0" smtClean="0"/>
+              <a:t> tương tác với file</a:t>
+            </a:r>
+            <a:endParaRPr lang="en-US" dirty="0"/>
+          </a:p>
+        </p:txBody>
+      </p:sp>
+      <p:sp>
+        <p:nvSpPr>
+          <p:cNvPr id="4" name="Footer Placeholder 3"/>
+          <p:cNvSpPr>
+            <a:spLocks noGrp="1"/>
+          </p:cNvSpPr>
+          <p:nvPr>
+            <p:ph type="ftr" sz="quarter" idx="11"/>
+          </p:nvPr>
+        </p:nvSpPr>
+        <p:spPr/>
+        <p:txBody>
+          <a:bodyPr/>
+          <a:lstStyle/>
+          <a:p>
+            <a:r>
+              <a:rPr lang="en-US" smtClean="0"/>
+              <a:t>©FPT SOFTWARE - Corporate Training Center - Internal Use</a:t>
+            </a:r>
+            <a:endParaRPr lang="en-US"/>
+          </a:p>
+        </p:txBody>
+      </p:sp>
+      <p:sp>
+        <p:nvSpPr>
+          <p:cNvPr id="5" name="Slide Number Placeholder 4"/>
+          <p:cNvSpPr>
+            <a:spLocks noGrp="1"/>
+          </p:cNvSpPr>
+          <p:nvPr>
+            <p:ph type="sldNum" sz="quarter" idx="12"/>
+          </p:nvPr>
+        </p:nvSpPr>
+        <p:spPr/>
+        <p:txBody>
+          <a:bodyPr/>
+          <a:lstStyle/>
+          <a:p>
+            <a:fld id="{E3B08AF7-4237-6949-8335-F63F47C2C8CC}" type="slidenum">
+              <a:rPr lang="en-US" smtClean="0"/>
+              <a:t>6</a:t>
+            </a:fld>
+            <a:endParaRPr lang="en-US"/>
+          </a:p>
+        </p:txBody>
+      </p:sp>
       <p:pic>
         <p:nvPicPr>
-          <p:cNvPr id="13" name="Picture Placeholder 12"/>
+          <p:cNvPr id="3" name="Picture Placeholder 2"/>
           <p:cNvPicPr>
             <a:picLocks noGrp="1" noChangeAspect="1"/>
           </p:cNvPicPr>
@@ -11215,7 +11214,7 @@
         </p:nvPicPr>
         <p:blipFill>
           <a:blip r:embed="rId2"/>
-          <a:srcRect t="2860" b="2860"/>
+          <a:srcRect t="3723" b="3723"/>
           <a:stretch>
             <a:fillRect/>
           </a:stretch>
@@ -11226,120 +11225,10 @@
           </a:prstGeom>
         </p:spPr>
       </p:pic>
-      <p:sp>
-        <p:nvSpPr>
-          <p:cNvPr id="12" name="Text Placeholder 11"/>
-          <p:cNvSpPr>
-            <a:spLocks noGrp="1"/>
-          </p:cNvSpPr>
-          <p:nvPr>
-            <p:ph type="body" sz="half" idx="2"/>
-          </p:nvPr>
-        </p:nvSpPr>
-        <p:spPr/>
-        <p:txBody>
-          <a:bodyPr>
-            <a:normAutofit fontScale="92500" lnSpcReduction="20000"/>
-          </a:bodyPr>
-          <a:lstStyle/>
-          <a:p>
-            <a:r>
-              <a:rPr lang="en-US" dirty="0"/>
-              <a:t>2 file fd </a:t>
-            </a:r>
-            <a:r>
-              <a:rPr lang="en-US" dirty="0" err="1"/>
-              <a:t>giống</a:t>
-            </a:r>
-            <a:r>
-              <a:rPr lang="en-US" dirty="0"/>
-              <a:t> </a:t>
-            </a:r>
-            <a:r>
-              <a:rPr lang="en-US" dirty="0" err="1"/>
-              <a:t>nhau</a:t>
-            </a:r>
-            <a:r>
-              <a:rPr lang="en-US" dirty="0"/>
-              <a:t> ở 2 process có </a:t>
-            </a:r>
-            <a:r>
-              <a:rPr lang="en-US" dirty="0" err="1"/>
-              <a:t>trỏ</a:t>
-            </a:r>
-            <a:r>
-              <a:rPr lang="en-US" dirty="0"/>
-              <a:t> </a:t>
-            </a:r>
-            <a:r>
-              <a:rPr lang="en-US" dirty="0" err="1"/>
-              <a:t>vào</a:t>
-            </a:r>
-            <a:r>
-              <a:rPr lang="en-US" dirty="0"/>
-              <a:t> </a:t>
-            </a:r>
-            <a:r>
-              <a:rPr lang="en-US" dirty="0" err="1"/>
-              <a:t>cùng</a:t>
-            </a:r>
-            <a:r>
-              <a:rPr lang="en-US" dirty="0"/>
-              <a:t> 1 file?</a:t>
-            </a:r>
-          </a:p>
-        </p:txBody>
-      </p:sp>
-      <p:sp>
-        <p:nvSpPr>
-          <p:cNvPr id="4" name="Footer Placeholder 3"/>
-          <p:cNvSpPr>
-            <a:spLocks noGrp="1"/>
-          </p:cNvSpPr>
-          <p:nvPr>
-            <p:ph type="ftr" sz="quarter" idx="11"/>
-          </p:nvPr>
-        </p:nvSpPr>
-        <p:spPr/>
-        <p:txBody>
-          <a:bodyPr/>
-          <a:lstStyle/>
-          <a:p>
-            <a:r>
-              <a:rPr lang="en-US" smtClean="0"/>
-              <a:t>©FPT SOFTWARE - Corporate Training Center - Internal Use</a:t>
-            </a:r>
-            <a:endParaRPr lang="en-US"/>
-          </a:p>
-        </p:txBody>
-      </p:sp>
-      <p:sp>
-        <p:nvSpPr>
-          <p:cNvPr id="5" name="Slide Number Placeholder 4"/>
-          <p:cNvSpPr>
-            <a:spLocks noGrp="1"/>
-          </p:cNvSpPr>
-          <p:nvPr>
-            <p:ph type="sldNum" sz="quarter" idx="12"/>
-          </p:nvPr>
-        </p:nvSpPr>
-        <p:spPr/>
-        <p:txBody>
-          <a:bodyPr/>
-          <a:lstStyle/>
-          <a:p>
-            <a:fld id="{E3B08AF7-4237-6949-8335-F63F47C2C8CC}" type="slidenum">
-              <a:rPr lang="en-US" smtClean="0"/>
-              <a:t>6</a:t>
-            </a:fld>
-            <a:endParaRPr lang="en-US"/>
-          </a:p>
-        </p:txBody>
-      </p:sp>
     </p:spTree>
     <p:extLst>
       <p:ext uri="{BB962C8B-B14F-4D97-AF65-F5344CB8AC3E}">
-        <p14:creationId xmlns:p14="http://schemas.microsoft.com/office/powerpoint/2010/main" val="3448365368"/>
+        <p14:creationId xmlns:p14="http://schemas.microsoft.com/office/powerpoint/2010/main" val="401692714"/>
       </p:ext>
     </p:extLst>
   </p:cSld>
@@ -11368,7 +11257,29 @@
       </p:grpSpPr>
       <p:sp>
         <p:nvSpPr>
-          <p:cNvPr id="6" name="Content Placeholder 5"/>
+          <p:cNvPr id="6" name="Title 5"/>
+          <p:cNvSpPr>
+            <a:spLocks noGrp="1"/>
+          </p:cNvSpPr>
+          <p:nvPr>
+            <p:ph type="title"/>
+          </p:nvPr>
+        </p:nvSpPr>
+        <p:spPr/>
+        <p:txBody>
+          <a:bodyPr/>
+          <a:lstStyle/>
+          <a:p>
+            <a:r>
+              <a:rPr lang="vi-VN" sz="3200" dirty="0"/>
+              <a:t>Các hàm đọc ghi dữ liệu trong file</a:t>
+            </a:r>
+          </a:p>
+        </p:txBody>
+      </p:sp>
+      <p:sp>
+        <p:nvSpPr>
+          <p:cNvPr id="7" name="Content Placeholder 6"/>
           <p:cNvSpPr>
             <a:spLocks noGrp="1"/>
           </p:cNvSpPr>
@@ -11376,23 +11287,69 @@
             <p:ph idx="1"/>
           </p:nvPr>
         </p:nvSpPr>
-        <p:spPr>
-          <a:xfrm>
-            <a:off x="5838940" y="1076325"/>
-            <a:ext cx="2847860" cy="3518298"/>
-          </a:xfrm>
-        </p:spPr>
-        <p:txBody>
-          <a:bodyPr/>
-          <a:lstStyle/>
-          <a:p>
+        <p:spPr/>
+        <p:txBody>
+          <a:bodyPr/>
+          <a:lstStyle/>
+          <a:p>
+            <a:r>
+              <a:rPr lang="vi-VN" dirty="0"/>
+              <a:t>Các hàm cơ bản</a:t>
+            </a:r>
+            <a:r>
+              <a:rPr lang="en-US" dirty="0" smtClean="0"/>
+              <a:t>:</a:t>
+            </a:r>
+          </a:p>
+          <a:p>
+            <a:pPr lvl="1"/>
             <a:r>
               <a:rPr lang="en-US" dirty="0"/>
-              <a:t>Nếu 2 process </a:t>
-            </a:r>
+              <a:t>int open(const char *pathname, int flags</a:t>
+            </a:r>
+            <a:r>
+              <a:rPr lang="en-US" dirty="0" smtClean="0"/>
+              <a:t>).</a:t>
+            </a:r>
+          </a:p>
+          <a:p>
+            <a:pPr lvl="1"/>
+            <a:r>
+              <a:rPr lang="fr-FR" dirty="0"/>
+              <a:t>int close(int fd</a:t>
+            </a:r>
+            <a:r>
+              <a:rPr lang="fr-FR" dirty="0" smtClean="0"/>
+              <a:t>).</a:t>
+            </a:r>
+          </a:p>
+          <a:p>
+            <a:pPr lvl="1"/>
+            <a:r>
+              <a:rPr lang="en-US" dirty="0"/>
+              <a:t>ssize_t read(int fd, void *buf, size_t count</a:t>
+            </a:r>
+            <a:r>
+              <a:rPr lang="en-US" dirty="0" smtClean="0"/>
+              <a:t>).</a:t>
+            </a:r>
+          </a:p>
+          <a:p>
+            <a:pPr lvl="1"/>
+            <a:r>
+              <a:rPr lang="en-US" dirty="0"/>
+              <a:t>ssize_t write(int fd, const void *buf, size_t count</a:t>
+            </a:r>
+            <a:r>
+              <a:rPr lang="en-US" dirty="0" smtClean="0"/>
+              <a:t>)</a:t>
+            </a:r>
+          </a:p>
+          <a:p>
+            <a:pPr lvl="1"/>
             <a:r>
               <a:rPr lang="en-US" dirty="0" err="1"/>
-              <a:t>cùng</a:t>
+              <a:t>off_t</a:t>
             </a:r>
             <a:r>
               <a:rPr lang="en-US" dirty="0"/>
@@ -11400,116 +11357,51 @@
             </a:r>
             <a:r>
               <a:rPr lang="en-US" dirty="0" err="1"/>
-              <a:t>ghi</a:t>
+              <a:t>lseek</a:t>
             </a:r>
             <a:r>
               <a:rPr lang="en-US" dirty="0"/>
-              <a:t> </a:t>
+              <a:t>(int fd, </a:t>
             </a:r>
             <a:r>
               <a:rPr lang="en-US" dirty="0" err="1"/>
-              <a:t>vào</a:t>
+              <a:t>off_t</a:t>
             </a:r>
             <a:r>
               <a:rPr lang="en-US" dirty="0"/>
-              <a:t> 1 file có fd bằng </a:t>
-            </a:r>
-            <a:r>
-              <a:rPr lang="en-US" dirty="0" err="1"/>
-              <a:t>nhau</a:t>
-            </a:r>
-            <a:r>
-              <a:rPr lang="en-US" dirty="0"/>
-              <a:t> </a:t>
-            </a:r>
-            <a:r>
-              <a:rPr lang="en-US" dirty="0" err="1"/>
-              <a:t>thì</a:t>
-            </a:r>
-            <a:r>
-              <a:rPr lang="en-US" dirty="0"/>
-              <a:t> </a:t>
-            </a:r>
-            <a:r>
-              <a:rPr lang="en-US" dirty="0" err="1"/>
-              <a:t>chuyện</a:t>
-            </a:r>
-            <a:r>
-              <a:rPr lang="en-US" dirty="0"/>
-              <a:t> </a:t>
-            </a:r>
-            <a:r>
-              <a:rPr lang="en-US" dirty="0" err="1"/>
-              <a:t>gì</a:t>
-            </a:r>
-            <a:r>
-              <a:rPr lang="en-US" dirty="0"/>
-              <a:t> sẽ </a:t>
-            </a:r>
-            <a:r>
-              <a:rPr lang="en-US" dirty="0" err="1"/>
-              <a:t>xảy</a:t>
-            </a:r>
-            <a:r>
-              <a:rPr lang="en-US" dirty="0"/>
-              <a:t> </a:t>
-            </a:r>
-            <a:r>
-              <a:rPr lang="en-US" dirty="0" err="1"/>
-              <a:t>ra</a:t>
-            </a:r>
-            <a:r>
-              <a:rPr lang="en-US" dirty="0"/>
-              <a:t>?</a:t>
-            </a:r>
-          </a:p>
-        </p:txBody>
-      </p:sp>
-      <p:pic>
-        <p:nvPicPr>
-          <p:cNvPr id="8" name="Picture 7"/>
-          <p:cNvPicPr>
-            <a:picLocks noChangeAspect="1"/>
-          </p:cNvPicPr>
-          <p:nvPr/>
-        </p:nvPicPr>
-        <p:blipFill>
-          <a:blip r:embed="rId3"/>
-          <a:stretch>
-            <a:fillRect/>
-          </a:stretch>
-        </p:blipFill>
-        <p:spPr>
-          <a:xfrm>
-            <a:off x="457200" y="1366837"/>
-            <a:ext cx="5216487" cy="2733675"/>
-          </a:xfrm>
-          <a:prstGeom prst="rect">
-            <a:avLst/>
-          </a:prstGeom>
-        </p:spPr>
-      </p:pic>
-      <p:sp>
-        <p:nvSpPr>
-          <p:cNvPr id="7" name="Text Placeholder 6"/>
-          <p:cNvSpPr>
-            <a:spLocks noGrp="1"/>
-          </p:cNvSpPr>
-          <p:nvPr>
-            <p:ph type="body" sz="half" idx="2"/>
-          </p:nvPr>
-        </p:nvSpPr>
-        <p:spPr>
-          <a:xfrm>
-            <a:off x="457201" y="1076326"/>
-            <a:ext cx="5216486" cy="3518297"/>
-          </a:xfrm>
-        </p:spPr>
-        <p:txBody>
-          <a:bodyPr/>
-          <a:lstStyle/>
-          <a:p>
-            <a:endParaRPr lang="en-US" dirty="0"/>
+              <a:t> offset, int whence</a:t>
+            </a:r>
+            <a:r>
+              <a:rPr lang="en-US" dirty="0" smtClean="0"/>
+              <a:t>)</a:t>
+            </a:r>
+          </a:p>
+          <a:p>
+            <a:pPr lvl="1"/>
+            <a:r>
+              <a:rPr lang="fr-FR" dirty="0" err="1"/>
+              <a:t>void</a:t>
+            </a:r>
+            <a:r>
+              <a:rPr lang="fr-FR" dirty="0"/>
+              <a:t> </a:t>
+            </a:r>
+            <a:r>
+              <a:rPr lang="fr-FR" dirty="0" err="1"/>
+              <a:t>sync</a:t>
+            </a:r>
+            <a:r>
+              <a:rPr lang="fr-FR" dirty="0"/>
+              <a:t>(</a:t>
+            </a:r>
+            <a:r>
+              <a:rPr lang="fr-FR" dirty="0" err="1"/>
+              <a:t>void</a:t>
+            </a:r>
+            <a:r>
+              <a:rPr lang="fr-FR" dirty="0" smtClean="0"/>
+              <a:t>).</a:t>
+            </a:r>
           </a:p>
         </p:txBody>
       </p:sp>
@@ -11559,32 +11451,10 @@
           </a:p>
         </p:txBody>
       </p:sp>
-      <p:sp>
-        <p:nvSpPr>
-          <p:cNvPr id="2" name="Title 1"/>
-          <p:cNvSpPr>
-            <a:spLocks noGrp="1"/>
-          </p:cNvSpPr>
-          <p:nvPr>
-            <p:ph type="title"/>
-          </p:nvPr>
-        </p:nvSpPr>
-        <p:spPr/>
-        <p:txBody>
-          <a:bodyPr/>
-          <a:lstStyle/>
-          <a:p>
-            <a:r>
-              <a:rPr lang="en-US" dirty="0"/>
-              <a:t>File table của process</a:t>
-            </a:r>
-          </a:p>
-        </p:txBody>
-      </p:sp>
     </p:spTree>
     <p:extLst>
       <p:ext uri="{BB962C8B-B14F-4D97-AF65-F5344CB8AC3E}">
-        <p14:creationId xmlns:p14="http://schemas.microsoft.com/office/powerpoint/2010/main" val="1782232794"/>
+        <p14:creationId xmlns:p14="http://schemas.microsoft.com/office/powerpoint/2010/main" val="2040925911"/>
       </p:ext>
     </p:extLst>
   </p:cSld>
@@ -11611,82 +11481,90 @@
           <a:chExt cx="0" cy="0"/>
         </a:xfrm>
       </p:grpSpPr>
-      <p:sp>
-        <p:nvSpPr>
-          <p:cNvPr id="7" name="Title 6"/>
-          <p:cNvSpPr>
-            <a:spLocks noGrp="1"/>
-          </p:cNvSpPr>
-          <p:nvPr>
-            <p:ph type="title"/>
-          </p:nvPr>
-        </p:nvSpPr>
-        <p:spPr/>
-        <p:txBody>
-          <a:bodyPr/>
+      <p:pic>
+        <p:nvPicPr>
+          <p:cNvPr id="13" name="Picture Placeholder 12"/>
+          <p:cNvPicPr>
+            <a:picLocks noGrp="1" noChangeAspect="1"/>
+          </p:cNvPicPr>
+          <p:nvPr>
+            <p:ph type="pic" idx="1"/>
+          </p:nvPr>
+        </p:nvPicPr>
+        <p:blipFill>
+          <a:blip r:embed="rId2"/>
+          <a:srcRect t="2860" b="2860"/>
+          <a:stretch>
+            <a:fillRect/>
+          </a:stretch>
+        </p:blipFill>
+        <p:spPr>
+          <a:prstGeom prst="rect">
+            <a:avLst/>
+          </a:prstGeom>
+        </p:spPr>
+      </p:pic>
+      <p:sp>
+        <p:nvSpPr>
+          <p:cNvPr id="12" name="Text Placeholder 11"/>
+          <p:cNvSpPr>
+            <a:spLocks noGrp="1"/>
+          </p:cNvSpPr>
+          <p:nvPr>
+            <p:ph type="body" sz="half" idx="2"/>
+          </p:nvPr>
+        </p:nvSpPr>
+        <p:spPr/>
+        <p:txBody>
+          <a:bodyPr>
+            <a:normAutofit fontScale="92500" lnSpcReduction="20000"/>
+          </a:bodyPr>
           <a:lstStyle/>
           <a:p>
             <a:r>
               <a:rPr lang="en-US" dirty="0"/>
-              <a:t>File descriptor</a:t>
-            </a:r>
-          </a:p>
-        </p:txBody>
-      </p:sp>
-      <p:sp>
-        <p:nvSpPr>
-          <p:cNvPr id="8" name="Content Placeholder 7"/>
-          <p:cNvSpPr>
-            <a:spLocks noGrp="1"/>
-          </p:cNvSpPr>
-          <p:nvPr>
-            <p:ph idx="1"/>
-          </p:nvPr>
-        </p:nvSpPr>
-        <p:spPr/>
-        <p:txBody>
-          <a:bodyPr/>
-          <a:lstStyle/>
-          <a:p>
+              <a:t>2 file fd </a:t>
+            </a:r>
+            <a:r>
+              <a:rPr lang="en-US" dirty="0" err="1"/>
+              <a:t>giống</a:t>
+            </a:r>
             <a:r>
               <a:rPr lang="en-US" dirty="0"/>
-              <a:t>include/</a:t>
+              <a:t> </a:t>
             </a:r>
             <a:r>
               <a:rPr lang="en-US" dirty="0" err="1"/>
-              <a:t>linux</a:t>
+              <a:t>nhau</a:t>
             </a:r>
             <a:r>
               <a:rPr lang="en-US" dirty="0"/>
-              <a:t>/</a:t>
+              <a:t> ở 2 process có </a:t>
             </a:r>
             <a:r>
               <a:rPr lang="en-US" dirty="0" err="1"/>
-              <a:t>fs.h</a:t>
+              <a:t>trỏ</a:t>
             </a:r>
             <a:r>
               <a:rPr lang="en-US" dirty="0"/>
-              <a:t>: </a:t>
+              <a:t> </a:t>
             </a:r>
             <a:r>
               <a:rPr lang="en-US" dirty="0" err="1"/>
-              <a:t>struct</a:t>
+              <a:t>vào</a:t>
             </a:r>
             <a:r>
               <a:rPr lang="en-US" dirty="0"/>
               <a:t> </a:t>
             </a:r>
             <a:r>
-              <a:rPr lang="en-US" dirty="0" smtClean="0"/>
-              <a:t>file</a:t>
-            </a:r>
-          </a:p>
-          <a:p>
-            <a:r>
-              <a:rPr lang="vi-VN" dirty="0"/>
-              <a:t>Là struct chứa thông tin về file và các con trỏ trỏ đến các operation của file như read/write.</a:t>
-            </a:r>
-            <a:endParaRPr lang="en-US" dirty="0"/>
+              <a:rPr lang="en-US" dirty="0" err="1"/>
+              <a:t>cùng</a:t>
+            </a:r>
+            <a:r>
+              <a:rPr lang="en-US" dirty="0"/>
+              <a:t> 1 file?</a:t>
+            </a:r>
           </a:p>
         </p:txBody>
       </p:sp>
@@ -11739,7 +11617,7 @@
     </p:spTree>
     <p:extLst>
       <p:ext uri="{BB962C8B-B14F-4D97-AF65-F5344CB8AC3E}">
-        <p14:creationId xmlns:p14="http://schemas.microsoft.com/office/powerpoint/2010/main" val="1697966708"/>
+        <p14:creationId xmlns:p14="http://schemas.microsoft.com/office/powerpoint/2010/main" val="383453360"/>
       </p:ext>
     </p:extLst>
   </p:cSld>
@@ -11768,59 +11646,147 @@
       </p:grpSpPr>
       <p:sp>
         <p:nvSpPr>
-          <p:cNvPr id="2" name="Title 1"/>
-          <p:cNvSpPr>
-            <a:spLocks noGrp="1"/>
-          </p:cNvSpPr>
-          <p:nvPr>
-            <p:ph type="title"/>
-          </p:nvPr>
-        </p:nvSpPr>
-        <p:spPr/>
+          <p:cNvPr id="6" name="Content Placeholder 5"/>
+          <p:cNvSpPr>
+            <a:spLocks noGrp="1"/>
+          </p:cNvSpPr>
+          <p:nvPr>
+            <p:ph idx="1"/>
+          </p:nvPr>
+        </p:nvSpPr>
+        <p:spPr>
+          <a:xfrm>
+            <a:off x="5838940" y="1076325"/>
+            <a:ext cx="2847860" cy="3518298"/>
+          </a:xfrm>
+        </p:spPr>
         <p:txBody>
           <a:bodyPr/>
           <a:lstStyle/>
           <a:p>
             <a:r>
               <a:rPr lang="en-US" dirty="0"/>
-              <a:t>Block device</a:t>
-            </a:r>
-          </a:p>
-        </p:txBody>
-      </p:sp>
-      <p:sp>
-        <p:nvSpPr>
-          <p:cNvPr id="3" name="Content Placeholder 2"/>
-          <p:cNvSpPr>
-            <a:spLocks noGrp="1"/>
-          </p:cNvSpPr>
-          <p:nvPr>
-            <p:ph idx="1"/>
-          </p:nvPr>
-        </p:nvSpPr>
-        <p:spPr/>
-        <p:txBody>
-          <a:bodyPr/>
-          <a:lstStyle/>
-          <a:p>
-            <a:r>
-              <a:rPr lang="vi-VN" dirty="0"/>
-              <a:t>Các thiết bị lưu trữ đa số thuộc loại block </a:t>
-            </a:r>
-            <a:r>
-              <a:rPr lang="vi-VN" dirty="0" smtClean="0"/>
-              <a:t>device</a:t>
-            </a:r>
-            <a:r>
-              <a:rPr lang="en-US" dirty="0" smtClean="0"/>
-              <a:t>.</a:t>
-            </a:r>
-          </a:p>
-          <a:p>
-            <a:r>
-              <a:rPr lang="vi-VN" dirty="0"/>
-              <a:t>Các thiết bị block device thường quy định kích thước tối thiểu cho mỗi lần đọc.</a:t>
-            </a:r>
+              <a:t>Nếu 2 process </a:t>
+            </a:r>
+            <a:r>
+              <a:rPr lang="en-US" dirty="0" err="1"/>
+              <a:t>cùng</a:t>
+            </a:r>
+            <a:r>
+              <a:rPr lang="en-US" dirty="0"/>
+              <a:t> </a:t>
+            </a:r>
+            <a:r>
+              <a:rPr lang="en-US" dirty="0" err="1"/>
+              <a:t>ghi</a:t>
+            </a:r>
+            <a:r>
+              <a:rPr lang="en-US" dirty="0"/>
+              <a:t> </a:t>
+            </a:r>
+            <a:r>
+              <a:rPr lang="en-US" dirty="0" err="1"/>
+              <a:t>vào</a:t>
+            </a:r>
+            <a:r>
+              <a:rPr lang="en-US" dirty="0"/>
+              <a:t> 1 file có fd bằng </a:t>
+            </a:r>
+            <a:r>
+              <a:rPr lang="en-US" dirty="0" err="1"/>
+              <a:t>nhau</a:t>
+            </a:r>
+            <a:r>
+              <a:rPr lang="en-US" dirty="0"/>
+              <a:t> </a:t>
+            </a:r>
+            <a:r>
+              <a:rPr lang="en-US" dirty="0" err="1"/>
+              <a:t>thì</a:t>
+            </a:r>
+            <a:r>
+              <a:rPr lang="en-US" dirty="0"/>
+              <a:t> </a:t>
+            </a:r>
+            <a:r>
+              <a:rPr lang="en-US" dirty="0" err="1"/>
+              <a:t>chuyện</a:t>
+            </a:r>
+            <a:r>
+              <a:rPr lang="en-US" dirty="0"/>
+              <a:t> </a:t>
+            </a:r>
+            <a:r>
+              <a:rPr lang="en-US" dirty="0" err="1"/>
+              <a:t>gì</a:t>
+            </a:r>
+            <a:r>
+              <a:rPr lang="en-US" dirty="0"/>
+              <a:t> sẽ </a:t>
+            </a:r>
+            <a:r>
+              <a:rPr lang="en-US" dirty="0" err="1"/>
+              <a:t>xảy</a:t>
+            </a:r>
+            <a:r>
+              <a:rPr lang="en-US" dirty="0"/>
+              <a:t> </a:t>
+            </a:r>
+            <a:r>
+              <a:rPr lang="en-US" dirty="0" err="1"/>
+              <a:t>ra</a:t>
+            </a:r>
+            <a:r>
+              <a:rPr lang="en-US" dirty="0"/>
+              <a:t>?</a:t>
+            </a:r>
+          </a:p>
+        </p:txBody>
+      </p:sp>
+      <p:pic>
+        <p:nvPicPr>
+          <p:cNvPr id="8" name="Picture 7"/>
+          <p:cNvPicPr>
+            <a:picLocks noChangeAspect="1"/>
+          </p:cNvPicPr>
+          <p:nvPr/>
+        </p:nvPicPr>
+        <p:blipFill>
+          <a:blip r:embed="rId3"/>
+          <a:stretch>
+            <a:fillRect/>
+          </a:stretch>
+        </p:blipFill>
+        <p:spPr>
+          <a:xfrm>
+            <a:off x="457200" y="1366837"/>
+            <a:ext cx="5216487" cy="2733675"/>
+          </a:xfrm>
+          <a:prstGeom prst="rect">
+            <a:avLst/>
+          </a:prstGeom>
+        </p:spPr>
+      </p:pic>
+      <p:sp>
+        <p:nvSpPr>
+          <p:cNvPr id="7" name="Text Placeholder 6"/>
+          <p:cNvSpPr>
+            <a:spLocks noGrp="1"/>
+          </p:cNvSpPr>
+          <p:nvPr>
+            <p:ph type="body" sz="half" idx="2"/>
+          </p:nvPr>
+        </p:nvSpPr>
+        <p:spPr>
+          <a:xfrm>
+            <a:off x="457201" y="1076326"/>
+            <a:ext cx="5216486" cy="3518297"/>
+          </a:xfrm>
+        </p:spPr>
+        <p:txBody>
+          <a:bodyPr/>
+          <a:lstStyle/>
+          <a:p>
             <a:endParaRPr lang="en-US" dirty="0"/>
           </a:p>
         </p:txBody>
@@ -11871,10 +11837,32 @@
           </a:p>
         </p:txBody>
       </p:sp>
+      <p:sp>
+        <p:nvSpPr>
+          <p:cNvPr id="2" name="Title 1"/>
+          <p:cNvSpPr>
+            <a:spLocks noGrp="1"/>
+          </p:cNvSpPr>
+          <p:nvPr>
+            <p:ph type="title"/>
+          </p:nvPr>
+        </p:nvSpPr>
+        <p:spPr/>
+        <p:txBody>
+          <a:bodyPr/>
+          <a:lstStyle/>
+          <a:p>
+            <a:r>
+              <a:rPr lang="en-US" dirty="0"/>
+              <a:t>File table của process</a:t>
+            </a:r>
+          </a:p>
+        </p:txBody>
+      </p:sp>
     </p:spTree>
     <p:extLst>
       <p:ext uri="{BB962C8B-B14F-4D97-AF65-F5344CB8AC3E}">
-        <p14:creationId xmlns:p14="http://schemas.microsoft.com/office/powerpoint/2010/main" val="3625219879"/>
+        <p14:creationId xmlns:p14="http://schemas.microsoft.com/office/powerpoint/2010/main" val="2769634188"/>
       </p:ext>
     </p:extLst>
   </p:cSld>
